--- a/Introduction to Scientific Computing in Python.pptx
+++ b/Introduction to Scientific Computing in Python.pptx
@@ -8,6 +8,9 @@
     <p:sldId id="256" r:id="rId2"/>
     <p:sldId id="257" r:id="rId3"/>
     <p:sldId id="258" r:id="rId4"/>
+    <p:sldId id="261" r:id="rId5"/>
+    <p:sldId id="259" r:id="rId6"/>
+    <p:sldId id="260" r:id="rId7"/>
   </p:sldIdLst>
   <p:sldSz cx="9144000" cy="6858000" type="screen4x3"/>
   <p:notesSz cx="6858000" cy="9144000"/>
@@ -109,6 +112,2582 @@
 </p:presentation>
 </file>
 
+<file path=ppt/diagrams/colors1.xml><?xml version="1.0" encoding="utf-8"?>
+<dgm:colorsDef xmlns:dgm="http://schemas.openxmlformats.org/drawingml/2006/diagram" xmlns:a="http://schemas.openxmlformats.org/drawingml/2006/main" uniqueId="urn:microsoft.com/office/officeart/2005/8/colors/accent1_2">
+  <dgm:title val=""/>
+  <dgm:desc val=""/>
+  <dgm:catLst>
+    <dgm:cat type="accent1" pri="11200"/>
+  </dgm:catLst>
+  <dgm:styleLbl name="node0">
+    <dgm:fillClrLst meth="repeat">
+      <a:schemeClr val="accent1"/>
+    </dgm:fillClrLst>
+    <dgm:linClrLst meth="repeat">
+      <a:schemeClr val="lt1"/>
+    </dgm:linClrLst>
+    <dgm:effectClrLst/>
+    <dgm:txLinClrLst/>
+    <dgm:txFillClrLst/>
+    <dgm:txEffectClrLst/>
+  </dgm:styleLbl>
+  <dgm:styleLbl name="alignNode1">
+    <dgm:fillClrLst meth="repeat">
+      <a:schemeClr val="accent1"/>
+    </dgm:fillClrLst>
+    <dgm:linClrLst meth="repeat">
+      <a:schemeClr val="accent1"/>
+    </dgm:linClrLst>
+    <dgm:effectClrLst/>
+    <dgm:txLinClrLst/>
+    <dgm:txFillClrLst/>
+    <dgm:txEffectClrLst/>
+  </dgm:styleLbl>
+  <dgm:styleLbl name="node1">
+    <dgm:fillClrLst meth="repeat">
+      <a:schemeClr val="accent1"/>
+    </dgm:fillClrLst>
+    <dgm:linClrLst meth="repeat">
+      <a:schemeClr val="lt1"/>
+    </dgm:linClrLst>
+    <dgm:effectClrLst/>
+    <dgm:txLinClrLst/>
+    <dgm:txFillClrLst/>
+    <dgm:txEffectClrLst/>
+  </dgm:styleLbl>
+  <dgm:styleLbl name="lnNode1">
+    <dgm:fillClrLst meth="repeat">
+      <a:schemeClr val="accent1"/>
+    </dgm:fillClrLst>
+    <dgm:linClrLst meth="repeat">
+      <a:schemeClr val="lt1"/>
+    </dgm:linClrLst>
+    <dgm:effectClrLst/>
+    <dgm:txLinClrLst/>
+    <dgm:txFillClrLst/>
+    <dgm:txEffectClrLst/>
+  </dgm:styleLbl>
+  <dgm:styleLbl name="vennNode1">
+    <dgm:fillClrLst meth="repeat">
+      <a:schemeClr val="accent1">
+        <a:alpha val="50000"/>
+      </a:schemeClr>
+    </dgm:fillClrLst>
+    <dgm:linClrLst meth="repeat">
+      <a:schemeClr val="lt1"/>
+    </dgm:linClrLst>
+    <dgm:effectClrLst/>
+    <dgm:txLinClrLst/>
+    <dgm:txFillClrLst/>
+    <dgm:txEffectClrLst/>
+  </dgm:styleLbl>
+  <dgm:styleLbl name="node2">
+    <dgm:fillClrLst meth="repeat">
+      <a:schemeClr val="accent1"/>
+    </dgm:fillClrLst>
+    <dgm:linClrLst meth="repeat">
+      <a:schemeClr val="lt1"/>
+    </dgm:linClrLst>
+    <dgm:effectClrLst/>
+    <dgm:txLinClrLst/>
+    <dgm:txFillClrLst/>
+    <dgm:txEffectClrLst/>
+  </dgm:styleLbl>
+  <dgm:styleLbl name="node3">
+    <dgm:fillClrLst meth="repeat">
+      <a:schemeClr val="accent1"/>
+    </dgm:fillClrLst>
+    <dgm:linClrLst meth="repeat">
+      <a:schemeClr val="lt1"/>
+    </dgm:linClrLst>
+    <dgm:effectClrLst/>
+    <dgm:txLinClrLst/>
+    <dgm:txFillClrLst/>
+    <dgm:txEffectClrLst/>
+  </dgm:styleLbl>
+  <dgm:styleLbl name="node4">
+    <dgm:fillClrLst meth="repeat">
+      <a:schemeClr val="accent1"/>
+    </dgm:fillClrLst>
+    <dgm:linClrLst meth="repeat">
+      <a:schemeClr val="lt1"/>
+    </dgm:linClrLst>
+    <dgm:effectClrLst/>
+    <dgm:txLinClrLst/>
+    <dgm:txFillClrLst/>
+    <dgm:txEffectClrLst/>
+  </dgm:styleLbl>
+  <dgm:styleLbl name="fgImgPlace1">
+    <dgm:fillClrLst meth="repeat">
+      <a:schemeClr val="accent1">
+        <a:tint val="50000"/>
+      </a:schemeClr>
+    </dgm:fillClrLst>
+    <dgm:linClrLst meth="repeat">
+      <a:schemeClr val="lt1"/>
+    </dgm:linClrLst>
+    <dgm:effectClrLst/>
+    <dgm:txLinClrLst/>
+    <dgm:txFillClrLst meth="repeat">
+      <a:schemeClr val="lt1"/>
+    </dgm:txFillClrLst>
+    <dgm:txEffectClrLst/>
+  </dgm:styleLbl>
+  <dgm:styleLbl name="alignImgPlace1">
+    <dgm:fillClrLst meth="repeat">
+      <a:schemeClr val="accent1">
+        <a:tint val="50000"/>
+      </a:schemeClr>
+    </dgm:fillClrLst>
+    <dgm:linClrLst meth="repeat">
+      <a:schemeClr val="lt1"/>
+    </dgm:linClrLst>
+    <dgm:effectClrLst/>
+    <dgm:txLinClrLst/>
+    <dgm:txFillClrLst meth="repeat">
+      <a:schemeClr val="lt1"/>
+    </dgm:txFillClrLst>
+    <dgm:txEffectClrLst/>
+  </dgm:styleLbl>
+  <dgm:styleLbl name="bgImgPlace1">
+    <dgm:fillClrLst meth="repeat">
+      <a:schemeClr val="accent1">
+        <a:tint val="50000"/>
+      </a:schemeClr>
+    </dgm:fillClrLst>
+    <dgm:linClrLst meth="repeat">
+      <a:schemeClr val="lt1"/>
+    </dgm:linClrLst>
+    <dgm:effectClrLst/>
+    <dgm:txLinClrLst/>
+    <dgm:txFillClrLst meth="repeat">
+      <a:schemeClr val="lt1"/>
+    </dgm:txFillClrLst>
+    <dgm:txEffectClrLst/>
+  </dgm:styleLbl>
+  <dgm:styleLbl name="sibTrans2D1">
+    <dgm:fillClrLst meth="repeat">
+      <a:schemeClr val="accent1">
+        <a:tint val="60000"/>
+      </a:schemeClr>
+    </dgm:fillClrLst>
+    <dgm:linClrLst meth="repeat">
+      <a:schemeClr val="accent1">
+        <a:tint val="60000"/>
+      </a:schemeClr>
+    </dgm:linClrLst>
+    <dgm:effectClrLst/>
+    <dgm:txLinClrLst/>
+    <dgm:txFillClrLst/>
+    <dgm:txEffectClrLst/>
+  </dgm:styleLbl>
+  <dgm:styleLbl name="fgSibTrans2D1">
+    <dgm:fillClrLst meth="repeat">
+      <a:schemeClr val="accent1">
+        <a:tint val="60000"/>
+      </a:schemeClr>
+    </dgm:fillClrLst>
+    <dgm:linClrLst meth="repeat">
+      <a:schemeClr val="accent1">
+        <a:tint val="60000"/>
+      </a:schemeClr>
+    </dgm:linClrLst>
+    <dgm:effectClrLst/>
+    <dgm:txLinClrLst/>
+    <dgm:txFillClrLst/>
+    <dgm:txEffectClrLst/>
+  </dgm:styleLbl>
+  <dgm:styleLbl name="bgSibTrans2D1">
+    <dgm:fillClrLst meth="repeat">
+      <a:schemeClr val="accent1">
+        <a:tint val="60000"/>
+      </a:schemeClr>
+    </dgm:fillClrLst>
+    <dgm:linClrLst meth="repeat">
+      <a:schemeClr val="accent1">
+        <a:tint val="60000"/>
+      </a:schemeClr>
+    </dgm:linClrLst>
+    <dgm:effectClrLst/>
+    <dgm:txLinClrLst/>
+    <dgm:txFillClrLst/>
+    <dgm:txEffectClrLst/>
+  </dgm:styleLbl>
+  <dgm:styleLbl name="sibTrans1D1">
+    <dgm:fillClrLst meth="repeat">
+      <a:schemeClr val="accent1"/>
+    </dgm:fillClrLst>
+    <dgm:linClrLst meth="repeat">
+      <a:schemeClr val="accent1"/>
+    </dgm:linClrLst>
+    <dgm:effectClrLst/>
+    <dgm:txLinClrLst/>
+    <dgm:txFillClrLst meth="repeat">
+      <a:schemeClr val="tx1"/>
+    </dgm:txFillClrLst>
+    <dgm:txEffectClrLst/>
+  </dgm:styleLbl>
+  <dgm:styleLbl name="callout">
+    <dgm:fillClrLst meth="repeat">
+      <a:schemeClr val="accent1"/>
+    </dgm:fillClrLst>
+    <dgm:linClrLst meth="repeat">
+      <a:schemeClr val="accent1">
+        <a:tint val="50000"/>
+      </a:schemeClr>
+    </dgm:linClrLst>
+    <dgm:effectClrLst/>
+    <dgm:txLinClrLst/>
+    <dgm:txFillClrLst meth="repeat">
+      <a:schemeClr val="tx1"/>
+    </dgm:txFillClrLst>
+    <dgm:txEffectClrLst/>
+  </dgm:styleLbl>
+  <dgm:styleLbl name="asst0">
+    <dgm:fillClrLst meth="repeat">
+      <a:schemeClr val="accent1"/>
+    </dgm:fillClrLst>
+    <dgm:linClrLst meth="repeat">
+      <a:schemeClr val="lt1"/>
+    </dgm:linClrLst>
+    <dgm:effectClrLst/>
+    <dgm:txLinClrLst/>
+    <dgm:txFillClrLst/>
+    <dgm:txEffectClrLst/>
+  </dgm:styleLbl>
+  <dgm:styleLbl name="asst1">
+    <dgm:fillClrLst meth="repeat">
+      <a:schemeClr val="accent1"/>
+    </dgm:fillClrLst>
+    <dgm:linClrLst meth="repeat">
+      <a:schemeClr val="lt1"/>
+    </dgm:linClrLst>
+    <dgm:effectClrLst/>
+    <dgm:txLinClrLst/>
+    <dgm:txFillClrLst/>
+    <dgm:txEffectClrLst/>
+  </dgm:styleLbl>
+  <dgm:styleLbl name="asst2">
+    <dgm:fillClrLst meth="repeat">
+      <a:schemeClr val="accent1"/>
+    </dgm:fillClrLst>
+    <dgm:linClrLst meth="repeat">
+      <a:schemeClr val="lt1"/>
+    </dgm:linClrLst>
+    <dgm:effectClrLst/>
+    <dgm:txLinClrLst/>
+    <dgm:txFillClrLst/>
+    <dgm:txEffectClrLst/>
+  </dgm:styleLbl>
+  <dgm:styleLbl name="asst3">
+    <dgm:fillClrLst meth="repeat">
+      <a:schemeClr val="accent1"/>
+    </dgm:fillClrLst>
+    <dgm:linClrLst meth="repeat">
+      <a:schemeClr val="lt1"/>
+    </dgm:linClrLst>
+    <dgm:effectClrLst/>
+    <dgm:txLinClrLst/>
+    <dgm:txFillClrLst/>
+    <dgm:txEffectClrLst/>
+  </dgm:styleLbl>
+  <dgm:styleLbl name="asst4">
+    <dgm:fillClrLst meth="repeat">
+      <a:schemeClr val="accent1"/>
+    </dgm:fillClrLst>
+    <dgm:linClrLst meth="repeat">
+      <a:schemeClr val="lt1"/>
+    </dgm:linClrLst>
+    <dgm:effectClrLst/>
+    <dgm:txLinClrLst/>
+    <dgm:txFillClrLst/>
+    <dgm:txEffectClrLst/>
+  </dgm:styleLbl>
+  <dgm:styleLbl name="parChTrans2D1">
+    <dgm:fillClrLst meth="repeat">
+      <a:schemeClr val="accent1">
+        <a:tint val="60000"/>
+      </a:schemeClr>
+    </dgm:fillClrLst>
+    <dgm:linClrLst meth="repeat">
+      <a:schemeClr val="accent1">
+        <a:tint val="60000"/>
+      </a:schemeClr>
+    </dgm:linClrLst>
+    <dgm:effectClrLst/>
+    <dgm:txLinClrLst/>
+    <dgm:txFillClrLst meth="repeat">
+      <a:schemeClr val="lt1"/>
+    </dgm:txFillClrLst>
+    <dgm:txEffectClrLst/>
+  </dgm:styleLbl>
+  <dgm:styleLbl name="parChTrans2D2">
+    <dgm:fillClrLst meth="repeat">
+      <a:schemeClr val="accent1"/>
+    </dgm:fillClrLst>
+    <dgm:linClrLst meth="repeat">
+      <a:schemeClr val="accent1"/>
+    </dgm:linClrLst>
+    <dgm:effectClrLst/>
+    <dgm:txLinClrLst/>
+    <dgm:txFillClrLst meth="repeat">
+      <a:schemeClr val="lt1"/>
+    </dgm:txFillClrLst>
+    <dgm:txEffectClrLst/>
+  </dgm:styleLbl>
+  <dgm:styleLbl name="parChTrans2D3">
+    <dgm:fillClrLst meth="repeat">
+      <a:schemeClr val="accent1"/>
+    </dgm:fillClrLst>
+    <dgm:linClrLst meth="repeat">
+      <a:schemeClr val="accent1"/>
+    </dgm:linClrLst>
+    <dgm:effectClrLst/>
+    <dgm:txLinClrLst/>
+    <dgm:txFillClrLst meth="repeat">
+      <a:schemeClr val="lt1"/>
+    </dgm:txFillClrLst>
+    <dgm:txEffectClrLst/>
+  </dgm:styleLbl>
+  <dgm:styleLbl name="parChTrans2D4">
+    <dgm:fillClrLst meth="repeat">
+      <a:schemeClr val="accent1"/>
+    </dgm:fillClrLst>
+    <dgm:linClrLst meth="repeat">
+      <a:schemeClr val="accent1"/>
+    </dgm:linClrLst>
+    <dgm:effectClrLst/>
+    <dgm:txLinClrLst/>
+    <dgm:txFillClrLst meth="repeat">
+      <a:schemeClr val="lt1"/>
+    </dgm:txFillClrLst>
+    <dgm:txEffectClrLst/>
+  </dgm:styleLbl>
+  <dgm:styleLbl name="parChTrans1D1">
+    <dgm:fillClrLst meth="repeat">
+      <a:schemeClr val="accent1"/>
+    </dgm:fillClrLst>
+    <dgm:linClrLst meth="repeat">
+      <a:schemeClr val="accent1">
+        <a:shade val="60000"/>
+      </a:schemeClr>
+    </dgm:linClrLst>
+    <dgm:effectClrLst/>
+    <dgm:txLinClrLst/>
+    <dgm:txFillClrLst meth="repeat">
+      <a:schemeClr val="tx1"/>
+    </dgm:txFillClrLst>
+    <dgm:txEffectClrLst/>
+  </dgm:styleLbl>
+  <dgm:styleLbl name="parChTrans1D2">
+    <dgm:fillClrLst meth="repeat">
+      <a:schemeClr val="accent1"/>
+    </dgm:fillClrLst>
+    <dgm:linClrLst meth="repeat">
+      <a:schemeClr val="accent1">
+        <a:shade val="60000"/>
+      </a:schemeClr>
+    </dgm:linClrLst>
+    <dgm:effectClrLst/>
+    <dgm:txLinClrLst/>
+    <dgm:txFillClrLst meth="repeat">
+      <a:schemeClr val="tx1"/>
+    </dgm:txFillClrLst>
+    <dgm:txEffectClrLst/>
+  </dgm:styleLbl>
+  <dgm:styleLbl name="parChTrans1D3">
+    <dgm:fillClrLst meth="repeat">
+      <a:schemeClr val="accent1"/>
+    </dgm:fillClrLst>
+    <dgm:linClrLst meth="repeat">
+      <a:schemeClr val="accent1">
+        <a:shade val="80000"/>
+      </a:schemeClr>
+    </dgm:linClrLst>
+    <dgm:effectClrLst/>
+    <dgm:txLinClrLst/>
+    <dgm:txFillClrLst meth="repeat">
+      <a:schemeClr val="tx1"/>
+    </dgm:txFillClrLst>
+    <dgm:txEffectClrLst/>
+  </dgm:styleLbl>
+  <dgm:styleLbl name="parChTrans1D4">
+    <dgm:fillClrLst meth="repeat">
+      <a:schemeClr val="accent1"/>
+    </dgm:fillClrLst>
+    <dgm:linClrLst meth="repeat">
+      <a:schemeClr val="accent1">
+        <a:shade val="80000"/>
+      </a:schemeClr>
+    </dgm:linClrLst>
+    <dgm:effectClrLst/>
+    <dgm:txLinClrLst/>
+    <dgm:txFillClrLst meth="repeat">
+      <a:schemeClr val="tx1"/>
+    </dgm:txFillClrLst>
+    <dgm:txEffectClrLst/>
+  </dgm:styleLbl>
+  <dgm:styleLbl name="fgAcc1">
+    <dgm:fillClrLst meth="repeat">
+      <a:schemeClr val="lt1">
+        <a:alpha val="90000"/>
+      </a:schemeClr>
+    </dgm:fillClrLst>
+    <dgm:linClrLst meth="repeat">
+      <a:schemeClr val="accent1"/>
+    </dgm:linClrLst>
+    <dgm:effectClrLst/>
+    <dgm:txLinClrLst/>
+    <dgm:txFillClrLst meth="repeat">
+      <a:schemeClr val="dk1"/>
+    </dgm:txFillClrLst>
+    <dgm:txEffectClrLst/>
+  </dgm:styleLbl>
+  <dgm:styleLbl name="conFgAcc1">
+    <dgm:fillClrLst meth="repeat">
+      <a:schemeClr val="lt1">
+        <a:alpha val="90000"/>
+      </a:schemeClr>
+    </dgm:fillClrLst>
+    <dgm:linClrLst meth="repeat">
+      <a:schemeClr val="accent1"/>
+    </dgm:linClrLst>
+    <dgm:effectClrLst/>
+    <dgm:txLinClrLst/>
+    <dgm:txFillClrLst meth="repeat">
+      <a:schemeClr val="dk1"/>
+    </dgm:txFillClrLst>
+    <dgm:txEffectClrLst/>
+  </dgm:styleLbl>
+  <dgm:styleLbl name="alignAcc1">
+    <dgm:fillClrLst meth="repeat">
+      <a:schemeClr val="lt1">
+        <a:alpha val="90000"/>
+      </a:schemeClr>
+    </dgm:fillClrLst>
+    <dgm:linClrLst meth="repeat">
+      <a:schemeClr val="accent1"/>
+    </dgm:linClrLst>
+    <dgm:effectClrLst/>
+    <dgm:txLinClrLst/>
+    <dgm:txFillClrLst meth="repeat">
+      <a:schemeClr val="dk1"/>
+    </dgm:txFillClrLst>
+    <dgm:txEffectClrLst/>
+  </dgm:styleLbl>
+  <dgm:styleLbl name="trAlignAcc1">
+    <dgm:fillClrLst meth="repeat">
+      <a:schemeClr val="lt1">
+        <a:alpha val="40000"/>
+      </a:schemeClr>
+    </dgm:fillClrLst>
+    <dgm:linClrLst meth="repeat">
+      <a:schemeClr val="accent1"/>
+    </dgm:linClrLst>
+    <dgm:effectClrLst/>
+    <dgm:txLinClrLst/>
+    <dgm:txFillClrLst meth="repeat">
+      <a:schemeClr val="dk1"/>
+    </dgm:txFillClrLst>
+    <dgm:txEffectClrLst/>
+  </dgm:styleLbl>
+  <dgm:styleLbl name="bgAcc1">
+    <dgm:fillClrLst meth="repeat">
+      <a:schemeClr val="lt1">
+        <a:alpha val="90000"/>
+      </a:schemeClr>
+    </dgm:fillClrLst>
+    <dgm:linClrLst meth="repeat">
+      <a:schemeClr val="accent1"/>
+    </dgm:linClrLst>
+    <dgm:effectClrLst/>
+    <dgm:txLinClrLst/>
+    <dgm:txFillClrLst meth="repeat">
+      <a:schemeClr val="dk1"/>
+    </dgm:txFillClrLst>
+    <dgm:txEffectClrLst/>
+  </dgm:styleLbl>
+  <dgm:styleLbl name="solidFgAcc1">
+    <dgm:fillClrLst meth="repeat">
+      <a:schemeClr val="lt1"/>
+    </dgm:fillClrLst>
+    <dgm:linClrLst meth="repeat">
+      <a:schemeClr val="accent1"/>
+    </dgm:linClrLst>
+    <dgm:effectClrLst/>
+    <dgm:txLinClrLst/>
+    <dgm:txFillClrLst meth="repeat">
+      <a:schemeClr val="dk1"/>
+    </dgm:txFillClrLst>
+    <dgm:txEffectClrLst/>
+  </dgm:styleLbl>
+  <dgm:styleLbl name="solidAlignAcc1">
+    <dgm:fillClrLst meth="repeat">
+      <a:schemeClr val="lt1"/>
+    </dgm:fillClrLst>
+    <dgm:linClrLst meth="repeat">
+      <a:schemeClr val="accent1"/>
+    </dgm:linClrLst>
+    <dgm:effectClrLst/>
+    <dgm:txLinClrLst/>
+    <dgm:txFillClrLst meth="repeat">
+      <a:schemeClr val="dk1"/>
+    </dgm:txFillClrLst>
+    <dgm:txEffectClrLst/>
+  </dgm:styleLbl>
+  <dgm:styleLbl name="solidBgAcc1">
+    <dgm:fillClrLst meth="repeat">
+      <a:schemeClr val="lt1"/>
+    </dgm:fillClrLst>
+    <dgm:linClrLst meth="repeat">
+      <a:schemeClr val="accent1"/>
+    </dgm:linClrLst>
+    <dgm:effectClrLst/>
+    <dgm:txLinClrLst/>
+    <dgm:txFillClrLst meth="repeat">
+      <a:schemeClr val="dk1"/>
+    </dgm:txFillClrLst>
+    <dgm:txEffectClrLst/>
+  </dgm:styleLbl>
+  <dgm:styleLbl name="fgAccFollowNode1">
+    <dgm:fillClrLst meth="repeat">
+      <a:schemeClr val="accent1">
+        <a:alpha val="90000"/>
+        <a:tint val="40000"/>
+      </a:schemeClr>
+    </dgm:fillClrLst>
+    <dgm:linClrLst meth="repeat">
+      <a:schemeClr val="accent1">
+        <a:alpha val="90000"/>
+        <a:tint val="40000"/>
+      </a:schemeClr>
+    </dgm:linClrLst>
+    <dgm:effectClrLst/>
+    <dgm:txLinClrLst/>
+    <dgm:txFillClrLst meth="repeat">
+      <a:schemeClr val="dk1"/>
+    </dgm:txFillClrLst>
+    <dgm:txEffectClrLst/>
+  </dgm:styleLbl>
+  <dgm:styleLbl name="alignAccFollowNode1">
+    <dgm:fillClrLst meth="repeat">
+      <a:schemeClr val="accent1">
+        <a:alpha val="90000"/>
+        <a:tint val="40000"/>
+      </a:schemeClr>
+    </dgm:fillClrLst>
+    <dgm:linClrLst meth="repeat">
+      <a:schemeClr val="accent1">
+        <a:alpha val="90000"/>
+        <a:tint val="40000"/>
+      </a:schemeClr>
+    </dgm:linClrLst>
+    <dgm:effectClrLst/>
+    <dgm:txLinClrLst/>
+    <dgm:txFillClrLst meth="repeat">
+      <a:schemeClr val="dk1"/>
+    </dgm:txFillClrLst>
+    <dgm:txEffectClrLst/>
+  </dgm:styleLbl>
+  <dgm:styleLbl name="bgAccFollowNode1">
+    <dgm:fillClrLst meth="repeat">
+      <a:schemeClr val="accent1">
+        <a:alpha val="90000"/>
+        <a:tint val="40000"/>
+      </a:schemeClr>
+    </dgm:fillClrLst>
+    <dgm:linClrLst meth="repeat">
+      <a:schemeClr val="accent1">
+        <a:alpha val="90000"/>
+        <a:tint val="40000"/>
+      </a:schemeClr>
+    </dgm:linClrLst>
+    <dgm:effectClrLst/>
+    <dgm:txLinClrLst/>
+    <dgm:txFillClrLst meth="repeat">
+      <a:schemeClr val="dk1"/>
+    </dgm:txFillClrLst>
+    <dgm:txEffectClrLst/>
+  </dgm:styleLbl>
+  <dgm:styleLbl name="fgAcc0">
+    <dgm:fillClrLst meth="repeat">
+      <a:schemeClr val="lt1">
+        <a:alpha val="90000"/>
+      </a:schemeClr>
+    </dgm:fillClrLst>
+    <dgm:linClrLst meth="repeat">
+      <a:schemeClr val="accent1"/>
+    </dgm:linClrLst>
+    <dgm:effectClrLst/>
+    <dgm:txLinClrLst/>
+    <dgm:txFillClrLst meth="repeat">
+      <a:schemeClr val="dk1"/>
+    </dgm:txFillClrLst>
+    <dgm:txEffectClrLst/>
+  </dgm:styleLbl>
+  <dgm:styleLbl name="fgAcc2">
+    <dgm:fillClrLst meth="repeat">
+      <a:schemeClr val="lt1">
+        <a:alpha val="90000"/>
+      </a:schemeClr>
+    </dgm:fillClrLst>
+    <dgm:linClrLst meth="repeat">
+      <a:schemeClr val="accent1"/>
+    </dgm:linClrLst>
+    <dgm:effectClrLst/>
+    <dgm:txLinClrLst/>
+    <dgm:txFillClrLst meth="repeat">
+      <a:schemeClr val="dk1"/>
+    </dgm:txFillClrLst>
+    <dgm:txEffectClrLst/>
+  </dgm:styleLbl>
+  <dgm:styleLbl name="fgAcc3">
+    <dgm:fillClrLst meth="repeat">
+      <a:schemeClr val="lt1">
+        <a:alpha val="90000"/>
+      </a:schemeClr>
+    </dgm:fillClrLst>
+    <dgm:linClrLst meth="repeat">
+      <a:schemeClr val="accent1"/>
+    </dgm:linClrLst>
+    <dgm:effectClrLst/>
+    <dgm:txLinClrLst/>
+    <dgm:txFillClrLst meth="repeat">
+      <a:schemeClr val="dk1"/>
+    </dgm:txFillClrLst>
+    <dgm:txEffectClrLst/>
+  </dgm:styleLbl>
+  <dgm:styleLbl name="fgAcc4">
+    <dgm:fillClrLst meth="repeat">
+      <a:schemeClr val="lt1">
+        <a:alpha val="90000"/>
+      </a:schemeClr>
+    </dgm:fillClrLst>
+    <dgm:linClrLst meth="repeat">
+      <a:schemeClr val="accent1"/>
+    </dgm:linClrLst>
+    <dgm:effectClrLst/>
+    <dgm:txLinClrLst/>
+    <dgm:txFillClrLst meth="repeat">
+      <a:schemeClr val="dk1"/>
+    </dgm:txFillClrLst>
+    <dgm:txEffectClrLst/>
+  </dgm:styleLbl>
+  <dgm:styleLbl name="bgShp">
+    <dgm:fillClrLst meth="repeat">
+      <a:schemeClr val="accent1">
+        <a:tint val="40000"/>
+      </a:schemeClr>
+    </dgm:fillClrLst>
+    <dgm:linClrLst meth="repeat">
+      <a:schemeClr val="accent1"/>
+    </dgm:linClrLst>
+    <dgm:effectClrLst/>
+    <dgm:txLinClrLst/>
+    <dgm:txFillClrLst meth="repeat">
+      <a:schemeClr val="dk1"/>
+    </dgm:txFillClrLst>
+    <dgm:txEffectClrLst/>
+  </dgm:styleLbl>
+  <dgm:styleLbl name="dkBgShp">
+    <dgm:fillClrLst meth="repeat">
+      <a:schemeClr val="accent1">
+        <a:shade val="80000"/>
+      </a:schemeClr>
+    </dgm:fillClrLst>
+    <dgm:linClrLst meth="repeat">
+      <a:schemeClr val="accent1"/>
+    </dgm:linClrLst>
+    <dgm:effectClrLst/>
+    <dgm:txLinClrLst/>
+    <dgm:txFillClrLst meth="repeat">
+      <a:schemeClr val="lt1"/>
+    </dgm:txFillClrLst>
+    <dgm:txEffectClrLst/>
+  </dgm:styleLbl>
+  <dgm:styleLbl name="trBgShp">
+    <dgm:fillClrLst meth="repeat">
+      <a:schemeClr val="accent1">
+        <a:tint val="50000"/>
+        <a:alpha val="40000"/>
+      </a:schemeClr>
+    </dgm:fillClrLst>
+    <dgm:linClrLst meth="repeat">
+      <a:schemeClr val="accent1"/>
+    </dgm:linClrLst>
+    <dgm:effectClrLst/>
+    <dgm:txLinClrLst/>
+    <dgm:txFillClrLst meth="repeat">
+      <a:schemeClr val="lt1"/>
+    </dgm:txFillClrLst>
+    <dgm:txEffectClrLst/>
+  </dgm:styleLbl>
+  <dgm:styleLbl name="fgShp">
+    <dgm:fillClrLst meth="repeat">
+      <a:schemeClr val="accent1">
+        <a:tint val="60000"/>
+      </a:schemeClr>
+    </dgm:fillClrLst>
+    <dgm:linClrLst meth="repeat">
+      <a:schemeClr val="lt1"/>
+    </dgm:linClrLst>
+    <dgm:effectClrLst/>
+    <dgm:txLinClrLst/>
+    <dgm:txFillClrLst meth="repeat">
+      <a:schemeClr val="dk1"/>
+    </dgm:txFillClrLst>
+    <dgm:txEffectClrLst/>
+  </dgm:styleLbl>
+  <dgm:styleLbl name="revTx">
+    <dgm:fillClrLst meth="repeat">
+      <a:schemeClr val="lt1">
+        <a:alpha val="0"/>
+      </a:schemeClr>
+    </dgm:fillClrLst>
+    <dgm:linClrLst meth="repeat">
+      <a:schemeClr val="dk1">
+        <a:alpha val="0"/>
+      </a:schemeClr>
+    </dgm:linClrLst>
+    <dgm:effectClrLst/>
+    <dgm:txLinClrLst/>
+    <dgm:txFillClrLst meth="repeat">
+      <a:schemeClr val="tx1"/>
+    </dgm:txFillClrLst>
+    <dgm:txEffectClrLst/>
+  </dgm:styleLbl>
+</dgm:colorsDef>
+</file>
+
+<file path=ppt/diagrams/data1.xml><?xml version="1.0" encoding="utf-8"?>
+<dgm:dataModel xmlns:dgm="http://schemas.openxmlformats.org/drawingml/2006/diagram" xmlns:a="http://schemas.openxmlformats.org/drawingml/2006/main">
+  <dgm:ptLst>
+    <dgm:pt modelId="{02344393-1AE6-47BA-AEF5-F511FB7EEC6F}" type="doc">
+      <dgm:prSet loTypeId="urn:microsoft.com/office/officeart/2005/8/layout/process1" loCatId="process" qsTypeId="urn:microsoft.com/office/officeart/2005/8/quickstyle/simple1" qsCatId="simple" csTypeId="urn:microsoft.com/office/officeart/2005/8/colors/accent1_2" csCatId="accent1" phldr="1"/>
+      <dgm:spPr/>
+    </dgm:pt>
+    <dgm:pt modelId="{514C8765-7B03-47DA-9C44-D37E1E41EBA8}">
+      <dgm:prSet phldrT="[Text]"/>
+      <dgm:spPr>
+        <a:solidFill>
+          <a:schemeClr val="accent1">
+            <a:lumMod val="50000"/>
+          </a:schemeClr>
+        </a:solidFill>
+      </dgm:spPr>
+      <dgm:t>
+        <a:bodyPr/>
+        <a:lstStyle/>
+        <a:p>
+          <a:r>
+            <a:rPr lang="en-US" dirty="0" smtClean="0">
+              <a:solidFill>
+                <a:schemeClr val="tx2"/>
+              </a:solidFill>
+            </a:rPr>
+            <a:t>Acquire Data</a:t>
+          </a:r>
+          <a:endParaRPr lang="en-US" dirty="0">
+            <a:solidFill>
+              <a:schemeClr val="tx2"/>
+            </a:solidFill>
+          </a:endParaRPr>
+        </a:p>
+      </dgm:t>
+    </dgm:pt>
+    <dgm:pt modelId="{EE1730A0-14BB-44C6-AD0C-7D45294958A5}" type="parTrans" cxnId="{687CFA6A-3BD8-45AF-90DB-54E83E032988}">
+      <dgm:prSet/>
+      <dgm:spPr/>
+      <dgm:t>
+        <a:bodyPr/>
+        <a:lstStyle/>
+        <a:p>
+          <a:endParaRPr lang="en-US"/>
+        </a:p>
+      </dgm:t>
+    </dgm:pt>
+    <dgm:pt modelId="{04DFAA92-F6A9-4376-9CD9-11FA9AF639E0}" type="sibTrans" cxnId="{687CFA6A-3BD8-45AF-90DB-54E83E032988}">
+      <dgm:prSet/>
+      <dgm:spPr/>
+      <dgm:t>
+        <a:bodyPr/>
+        <a:lstStyle/>
+        <a:p>
+          <a:endParaRPr lang="en-US"/>
+        </a:p>
+      </dgm:t>
+    </dgm:pt>
+    <dgm:pt modelId="{64F37142-B05F-496E-95E5-2D5121EDC4DA}">
+      <dgm:prSet phldrT="[Text]"/>
+      <dgm:spPr>
+        <a:solidFill>
+          <a:schemeClr val="accent1">
+            <a:lumMod val="50000"/>
+          </a:schemeClr>
+        </a:solidFill>
+      </dgm:spPr>
+      <dgm:t>
+        <a:bodyPr/>
+        <a:lstStyle/>
+        <a:p>
+          <a:r>
+            <a:rPr lang="en-US" dirty="0" smtClean="0">
+              <a:solidFill>
+                <a:schemeClr val="tx2"/>
+              </a:solidFill>
+            </a:rPr>
+            <a:t>Process Data</a:t>
+          </a:r>
+          <a:endParaRPr lang="en-US" dirty="0">
+            <a:solidFill>
+              <a:schemeClr val="tx2"/>
+            </a:solidFill>
+          </a:endParaRPr>
+        </a:p>
+      </dgm:t>
+    </dgm:pt>
+    <dgm:pt modelId="{7EF348DE-2A02-4E69-9AE5-227274765069}" type="parTrans" cxnId="{A632FC0B-B599-4CE3-8627-A815A5C8A7F1}">
+      <dgm:prSet/>
+      <dgm:spPr/>
+      <dgm:t>
+        <a:bodyPr/>
+        <a:lstStyle/>
+        <a:p>
+          <a:endParaRPr lang="en-US"/>
+        </a:p>
+      </dgm:t>
+    </dgm:pt>
+    <dgm:pt modelId="{3C652EC3-C328-4D0B-895C-702495137196}" type="sibTrans" cxnId="{A632FC0B-B599-4CE3-8627-A815A5C8A7F1}">
+      <dgm:prSet/>
+      <dgm:spPr/>
+      <dgm:t>
+        <a:bodyPr/>
+        <a:lstStyle/>
+        <a:p>
+          <a:endParaRPr lang="en-US"/>
+        </a:p>
+      </dgm:t>
+    </dgm:pt>
+    <dgm:pt modelId="{F03EA3D2-720F-4FCA-9673-A608A6EA250C}">
+      <dgm:prSet phldrT="[Text]"/>
+      <dgm:spPr>
+        <a:solidFill>
+          <a:schemeClr val="accent1">
+            <a:lumMod val="50000"/>
+          </a:schemeClr>
+        </a:solidFill>
+      </dgm:spPr>
+      <dgm:t>
+        <a:bodyPr/>
+        <a:lstStyle/>
+        <a:p>
+          <a:r>
+            <a:rPr lang="en-US" dirty="0" smtClean="0">
+              <a:solidFill>
+                <a:schemeClr val="tx2"/>
+              </a:solidFill>
+            </a:rPr>
+            <a:t>Present Data</a:t>
+          </a:r>
+          <a:endParaRPr lang="en-US" dirty="0">
+            <a:solidFill>
+              <a:schemeClr val="tx2"/>
+            </a:solidFill>
+          </a:endParaRPr>
+        </a:p>
+      </dgm:t>
+    </dgm:pt>
+    <dgm:pt modelId="{909A8FA9-3ED7-49B4-9E9A-FB63486CA8A0}" type="parTrans" cxnId="{B89A168B-9558-4A72-BBE9-4AB5B509D49B}">
+      <dgm:prSet/>
+      <dgm:spPr/>
+      <dgm:t>
+        <a:bodyPr/>
+        <a:lstStyle/>
+        <a:p>
+          <a:endParaRPr lang="en-US"/>
+        </a:p>
+      </dgm:t>
+    </dgm:pt>
+    <dgm:pt modelId="{E31BA938-703B-476C-B91C-6C8C7F712AA3}" type="sibTrans" cxnId="{B89A168B-9558-4A72-BBE9-4AB5B509D49B}">
+      <dgm:prSet/>
+      <dgm:spPr/>
+      <dgm:t>
+        <a:bodyPr/>
+        <a:lstStyle/>
+        <a:p>
+          <a:endParaRPr lang="en-US"/>
+        </a:p>
+      </dgm:t>
+    </dgm:pt>
+    <dgm:pt modelId="{DC5E2AC6-49B1-44B2-A9D1-65994197338A}" type="pres">
+      <dgm:prSet presAssocID="{02344393-1AE6-47BA-AEF5-F511FB7EEC6F}" presName="Name0" presStyleCnt="0">
+        <dgm:presLayoutVars>
+          <dgm:dir/>
+          <dgm:resizeHandles val="exact"/>
+        </dgm:presLayoutVars>
+      </dgm:prSet>
+      <dgm:spPr/>
+    </dgm:pt>
+    <dgm:pt modelId="{A96F9C2A-C7BB-4BD8-8E7B-0B56BB3CE97D}" type="pres">
+      <dgm:prSet presAssocID="{514C8765-7B03-47DA-9C44-D37E1E41EBA8}" presName="node" presStyleLbl="node1" presStyleIdx="0" presStyleCnt="3">
+        <dgm:presLayoutVars>
+          <dgm:bulletEnabled val="1"/>
+        </dgm:presLayoutVars>
+      </dgm:prSet>
+      <dgm:spPr/>
+    </dgm:pt>
+    <dgm:pt modelId="{72C7E7D0-6A06-43BD-933D-BFF597D3C64E}" type="pres">
+      <dgm:prSet presAssocID="{04DFAA92-F6A9-4376-9CD9-11FA9AF639E0}" presName="sibTrans" presStyleLbl="sibTrans2D1" presStyleIdx="0" presStyleCnt="2"/>
+      <dgm:spPr/>
+    </dgm:pt>
+    <dgm:pt modelId="{6E124798-B232-4507-ADA5-1800B865E14D}" type="pres">
+      <dgm:prSet presAssocID="{04DFAA92-F6A9-4376-9CD9-11FA9AF639E0}" presName="connectorText" presStyleLbl="sibTrans2D1" presStyleIdx="0" presStyleCnt="2"/>
+      <dgm:spPr/>
+    </dgm:pt>
+    <dgm:pt modelId="{309B0853-8CE3-40F8-AA2D-BF4A246AEDF2}" type="pres">
+      <dgm:prSet presAssocID="{64F37142-B05F-496E-95E5-2D5121EDC4DA}" presName="node" presStyleLbl="node1" presStyleIdx="1" presStyleCnt="3">
+        <dgm:presLayoutVars>
+          <dgm:bulletEnabled val="1"/>
+        </dgm:presLayoutVars>
+      </dgm:prSet>
+      <dgm:spPr/>
+    </dgm:pt>
+    <dgm:pt modelId="{18D0219E-B734-4678-BBDF-4FCABA332D5C}" type="pres">
+      <dgm:prSet presAssocID="{3C652EC3-C328-4D0B-895C-702495137196}" presName="sibTrans" presStyleLbl="sibTrans2D1" presStyleIdx="1" presStyleCnt="2"/>
+      <dgm:spPr/>
+    </dgm:pt>
+    <dgm:pt modelId="{DAA6D136-2FF3-4597-911A-7C09F3D7DEDF}" type="pres">
+      <dgm:prSet presAssocID="{3C652EC3-C328-4D0B-895C-702495137196}" presName="connectorText" presStyleLbl="sibTrans2D1" presStyleIdx="1" presStyleCnt="2"/>
+      <dgm:spPr/>
+    </dgm:pt>
+    <dgm:pt modelId="{2FE814F9-F2D5-4FCE-A477-D578E054108A}" type="pres">
+      <dgm:prSet presAssocID="{F03EA3D2-720F-4FCA-9673-A608A6EA250C}" presName="node" presStyleLbl="node1" presStyleIdx="2" presStyleCnt="3">
+        <dgm:presLayoutVars>
+          <dgm:bulletEnabled val="1"/>
+        </dgm:presLayoutVars>
+      </dgm:prSet>
+      <dgm:spPr/>
+      <dgm:t>
+        <a:bodyPr/>
+        <a:lstStyle/>
+        <a:p>
+          <a:endParaRPr lang="en-US"/>
+        </a:p>
+      </dgm:t>
+    </dgm:pt>
+  </dgm:ptLst>
+  <dgm:cxnLst>
+    <dgm:cxn modelId="{687CFA6A-3BD8-45AF-90DB-54E83E032988}" srcId="{02344393-1AE6-47BA-AEF5-F511FB7EEC6F}" destId="{514C8765-7B03-47DA-9C44-D37E1E41EBA8}" srcOrd="0" destOrd="0" parTransId="{EE1730A0-14BB-44C6-AD0C-7D45294958A5}" sibTransId="{04DFAA92-F6A9-4376-9CD9-11FA9AF639E0}"/>
+    <dgm:cxn modelId="{8622916E-A2D3-4E4D-9CB3-88FA270AF494}" type="presOf" srcId="{02344393-1AE6-47BA-AEF5-F511FB7EEC6F}" destId="{DC5E2AC6-49B1-44B2-A9D1-65994197338A}" srcOrd="0" destOrd="0" presId="urn:microsoft.com/office/officeart/2005/8/layout/process1"/>
+    <dgm:cxn modelId="{CB7473F0-7683-491D-ADA2-C5F0AC490241}" type="presOf" srcId="{64F37142-B05F-496E-95E5-2D5121EDC4DA}" destId="{309B0853-8CE3-40F8-AA2D-BF4A246AEDF2}" srcOrd="0" destOrd="0" presId="urn:microsoft.com/office/officeart/2005/8/layout/process1"/>
+    <dgm:cxn modelId="{A632FC0B-B599-4CE3-8627-A815A5C8A7F1}" srcId="{02344393-1AE6-47BA-AEF5-F511FB7EEC6F}" destId="{64F37142-B05F-496E-95E5-2D5121EDC4DA}" srcOrd="1" destOrd="0" parTransId="{7EF348DE-2A02-4E69-9AE5-227274765069}" sibTransId="{3C652EC3-C328-4D0B-895C-702495137196}"/>
+    <dgm:cxn modelId="{B89A168B-9558-4A72-BBE9-4AB5B509D49B}" srcId="{02344393-1AE6-47BA-AEF5-F511FB7EEC6F}" destId="{F03EA3D2-720F-4FCA-9673-A608A6EA250C}" srcOrd="2" destOrd="0" parTransId="{909A8FA9-3ED7-49B4-9E9A-FB63486CA8A0}" sibTransId="{E31BA938-703B-476C-B91C-6C8C7F712AA3}"/>
+    <dgm:cxn modelId="{1BD3A032-23FE-41FB-9A61-47F585CB8E7A}" type="presOf" srcId="{3C652EC3-C328-4D0B-895C-702495137196}" destId="{18D0219E-B734-4678-BBDF-4FCABA332D5C}" srcOrd="0" destOrd="0" presId="urn:microsoft.com/office/officeart/2005/8/layout/process1"/>
+    <dgm:cxn modelId="{D95B2FA2-3025-4214-841B-734067B04C70}" type="presOf" srcId="{3C652EC3-C328-4D0B-895C-702495137196}" destId="{DAA6D136-2FF3-4597-911A-7C09F3D7DEDF}" srcOrd="1" destOrd="0" presId="urn:microsoft.com/office/officeart/2005/8/layout/process1"/>
+    <dgm:cxn modelId="{C0BB8535-5EFD-4A0D-98E3-88BA30AAC164}" type="presOf" srcId="{F03EA3D2-720F-4FCA-9673-A608A6EA250C}" destId="{2FE814F9-F2D5-4FCE-A477-D578E054108A}" srcOrd="0" destOrd="0" presId="urn:microsoft.com/office/officeart/2005/8/layout/process1"/>
+    <dgm:cxn modelId="{6291A93C-F57E-41F4-BE4A-5662A13FFC77}" type="presOf" srcId="{04DFAA92-F6A9-4376-9CD9-11FA9AF639E0}" destId="{72C7E7D0-6A06-43BD-933D-BFF597D3C64E}" srcOrd="0" destOrd="0" presId="urn:microsoft.com/office/officeart/2005/8/layout/process1"/>
+    <dgm:cxn modelId="{9C930037-10CB-406F-951F-0C935D60D20F}" type="presOf" srcId="{514C8765-7B03-47DA-9C44-D37E1E41EBA8}" destId="{A96F9C2A-C7BB-4BD8-8E7B-0B56BB3CE97D}" srcOrd="0" destOrd="0" presId="urn:microsoft.com/office/officeart/2005/8/layout/process1"/>
+    <dgm:cxn modelId="{DFFDF288-8B90-4D60-B72D-0EE01A995AEA}" type="presOf" srcId="{04DFAA92-F6A9-4376-9CD9-11FA9AF639E0}" destId="{6E124798-B232-4507-ADA5-1800B865E14D}" srcOrd="1" destOrd="0" presId="urn:microsoft.com/office/officeart/2005/8/layout/process1"/>
+    <dgm:cxn modelId="{05D80E67-F91A-4961-9DDE-642BEE0E1D14}" type="presParOf" srcId="{DC5E2AC6-49B1-44B2-A9D1-65994197338A}" destId="{A96F9C2A-C7BB-4BD8-8E7B-0B56BB3CE97D}" srcOrd="0" destOrd="0" presId="urn:microsoft.com/office/officeart/2005/8/layout/process1"/>
+    <dgm:cxn modelId="{3B855E19-14BC-4B41-9810-7ECBC2CC477D}" type="presParOf" srcId="{DC5E2AC6-49B1-44B2-A9D1-65994197338A}" destId="{72C7E7D0-6A06-43BD-933D-BFF597D3C64E}" srcOrd="1" destOrd="0" presId="urn:microsoft.com/office/officeart/2005/8/layout/process1"/>
+    <dgm:cxn modelId="{A7A76037-3373-4419-955D-315C29A21AAB}" type="presParOf" srcId="{72C7E7D0-6A06-43BD-933D-BFF597D3C64E}" destId="{6E124798-B232-4507-ADA5-1800B865E14D}" srcOrd="0" destOrd="0" presId="urn:microsoft.com/office/officeart/2005/8/layout/process1"/>
+    <dgm:cxn modelId="{10A47129-E435-42E8-A1F7-89C79A09EDD4}" type="presParOf" srcId="{DC5E2AC6-49B1-44B2-A9D1-65994197338A}" destId="{309B0853-8CE3-40F8-AA2D-BF4A246AEDF2}" srcOrd="2" destOrd="0" presId="urn:microsoft.com/office/officeart/2005/8/layout/process1"/>
+    <dgm:cxn modelId="{978AEAE4-E1A9-43D3-9A1C-A62FA2F5F8D7}" type="presParOf" srcId="{DC5E2AC6-49B1-44B2-A9D1-65994197338A}" destId="{18D0219E-B734-4678-BBDF-4FCABA332D5C}" srcOrd="3" destOrd="0" presId="urn:microsoft.com/office/officeart/2005/8/layout/process1"/>
+    <dgm:cxn modelId="{84556553-3225-4428-9584-CE45332F34CC}" type="presParOf" srcId="{18D0219E-B734-4678-BBDF-4FCABA332D5C}" destId="{DAA6D136-2FF3-4597-911A-7C09F3D7DEDF}" srcOrd="0" destOrd="0" presId="urn:microsoft.com/office/officeart/2005/8/layout/process1"/>
+    <dgm:cxn modelId="{6BC7B76E-ED72-451C-A295-8AB355C02253}" type="presParOf" srcId="{DC5E2AC6-49B1-44B2-A9D1-65994197338A}" destId="{2FE814F9-F2D5-4FCE-A477-D578E054108A}" srcOrd="4" destOrd="0" presId="urn:microsoft.com/office/officeart/2005/8/layout/process1"/>
+  </dgm:cxnLst>
+  <dgm:bg/>
+  <dgm:whole/>
+  <dgm:extLst>
+    <a:ext uri="http://schemas.microsoft.com/office/drawing/2008/diagram">
+      <dsp:dataModelExt xmlns:dsp="http://schemas.microsoft.com/office/drawing/2008/diagram" relId="rId6" minVer="http://schemas.openxmlformats.org/drawingml/2006/diagram"/>
+    </a:ext>
+  </dgm:extLst>
+</dgm:dataModel>
+</file>
+
+<file path=ppt/diagrams/drawing1.xml><?xml version="1.0" encoding="utf-8"?>
+<dsp:drawing xmlns:dgm="http://schemas.openxmlformats.org/drawingml/2006/diagram" xmlns:dsp="http://schemas.microsoft.com/office/drawing/2008/diagram" xmlns:a="http://schemas.openxmlformats.org/drawingml/2006/main">
+  <dsp:spTree>
+    <dsp:nvGrpSpPr>
+      <dsp:cNvPr id="0" name=""/>
+      <dsp:cNvGrpSpPr/>
+    </dsp:nvGrpSpPr>
+    <dsp:grpSpPr/>
+    <dsp:sp modelId="{A96F9C2A-C7BB-4BD8-8E7B-0B56BB3CE97D}">
+      <dsp:nvSpPr>
+        <dsp:cNvPr id="0" name=""/>
+        <dsp:cNvSpPr/>
+      </dsp:nvSpPr>
+      <dsp:spPr>
+        <a:xfrm>
+          <a:off x="6898" y="435562"/>
+          <a:ext cx="2061790" cy="1237074"/>
+        </a:xfrm>
+        <a:prstGeom prst="roundRect">
+          <a:avLst>
+            <a:gd name="adj" fmla="val 10000"/>
+          </a:avLst>
+        </a:prstGeom>
+        <a:solidFill>
+          <a:schemeClr val="accent1">
+            <a:lumMod val="50000"/>
+          </a:schemeClr>
+        </a:solidFill>
+        <a:ln w="19050" cap="flat" cmpd="sng" algn="ctr">
+          <a:solidFill>
+            <a:schemeClr val="lt1">
+              <a:hueOff val="0"/>
+              <a:satOff val="0"/>
+              <a:lumOff val="0"/>
+              <a:alphaOff val="0"/>
+            </a:schemeClr>
+          </a:solidFill>
+          <a:prstDash val="solid"/>
+        </a:ln>
+        <a:effectLst/>
+      </dsp:spPr>
+      <dsp:style>
+        <a:lnRef idx="2">
+          <a:scrgbClr r="0" g="0" b="0"/>
+        </a:lnRef>
+        <a:fillRef idx="1">
+          <a:scrgbClr r="0" g="0" b="0"/>
+        </a:fillRef>
+        <a:effectRef idx="0">
+          <a:scrgbClr r="0" g="0" b="0"/>
+        </a:effectRef>
+        <a:fontRef idx="minor">
+          <a:schemeClr val="lt1"/>
+        </a:fontRef>
+      </dsp:style>
+      <dsp:txBody>
+        <a:bodyPr spcFirstLastPara="0" vert="horz" wrap="square" lIns="129540" tIns="129540" rIns="129540" bIns="129540" numCol="1" spcCol="1270" anchor="ctr" anchorCtr="0">
+          <a:noAutofit/>
+        </a:bodyPr>
+        <a:lstStyle/>
+        <a:p>
+          <a:pPr lvl="0" algn="ctr" defTabSz="1511300">
+            <a:lnSpc>
+              <a:spcPct val="90000"/>
+            </a:lnSpc>
+            <a:spcBef>
+              <a:spcPct val="0"/>
+            </a:spcBef>
+            <a:spcAft>
+              <a:spcPct val="35000"/>
+            </a:spcAft>
+          </a:pPr>
+          <a:r>
+            <a:rPr lang="en-US" sz="3400" kern="1200" dirty="0" smtClean="0">
+              <a:solidFill>
+                <a:schemeClr val="tx2"/>
+              </a:solidFill>
+            </a:rPr>
+            <a:t>Acquire Data</a:t>
+          </a:r>
+          <a:endParaRPr lang="en-US" sz="3400" kern="1200" dirty="0">
+            <a:solidFill>
+              <a:schemeClr val="tx2"/>
+            </a:solidFill>
+          </a:endParaRPr>
+        </a:p>
+      </dsp:txBody>
+      <dsp:txXfrm>
+        <a:off x="43131" y="471795"/>
+        <a:ext cx="1989324" cy="1164608"/>
+      </dsp:txXfrm>
+    </dsp:sp>
+    <dsp:sp modelId="{72C7E7D0-6A06-43BD-933D-BFF597D3C64E}">
+      <dsp:nvSpPr>
+        <dsp:cNvPr id="0" name=""/>
+        <dsp:cNvSpPr/>
+      </dsp:nvSpPr>
+      <dsp:spPr>
+        <a:xfrm>
+          <a:off x="2274867" y="798437"/>
+          <a:ext cx="437099" cy="511324"/>
+        </a:xfrm>
+        <a:prstGeom prst="rightArrow">
+          <a:avLst>
+            <a:gd name="adj1" fmla="val 60000"/>
+            <a:gd name="adj2" fmla="val 50000"/>
+          </a:avLst>
+        </a:prstGeom>
+        <a:solidFill>
+          <a:schemeClr val="accent1">
+            <a:tint val="60000"/>
+            <a:hueOff val="0"/>
+            <a:satOff val="0"/>
+            <a:lumOff val="0"/>
+            <a:alphaOff val="0"/>
+          </a:schemeClr>
+        </a:solidFill>
+        <a:ln>
+          <a:noFill/>
+        </a:ln>
+        <a:effectLst/>
+      </dsp:spPr>
+      <dsp:style>
+        <a:lnRef idx="0">
+          <a:scrgbClr r="0" g="0" b="0"/>
+        </a:lnRef>
+        <a:fillRef idx="1">
+          <a:scrgbClr r="0" g="0" b="0"/>
+        </a:fillRef>
+        <a:effectRef idx="0">
+          <a:scrgbClr r="0" g="0" b="0"/>
+        </a:effectRef>
+        <a:fontRef idx="minor">
+          <a:schemeClr val="lt1"/>
+        </a:fontRef>
+      </dsp:style>
+      <dsp:txBody>
+        <a:bodyPr spcFirstLastPara="0" vert="horz" wrap="square" lIns="0" tIns="0" rIns="0" bIns="0" numCol="1" spcCol="1270" anchor="ctr" anchorCtr="0">
+          <a:noAutofit/>
+        </a:bodyPr>
+        <a:lstStyle/>
+        <a:p>
+          <a:pPr lvl="0" algn="ctr" defTabSz="1022350">
+            <a:lnSpc>
+              <a:spcPct val="90000"/>
+            </a:lnSpc>
+            <a:spcBef>
+              <a:spcPct val="0"/>
+            </a:spcBef>
+            <a:spcAft>
+              <a:spcPct val="35000"/>
+            </a:spcAft>
+          </a:pPr>
+          <a:endParaRPr lang="en-US" sz="2300" kern="1200"/>
+        </a:p>
+      </dsp:txBody>
+      <dsp:txXfrm>
+        <a:off x="2274867" y="900702"/>
+        <a:ext cx="305969" cy="306794"/>
+      </dsp:txXfrm>
+    </dsp:sp>
+    <dsp:sp modelId="{309B0853-8CE3-40F8-AA2D-BF4A246AEDF2}">
+      <dsp:nvSpPr>
+        <dsp:cNvPr id="0" name=""/>
+        <dsp:cNvSpPr/>
+      </dsp:nvSpPr>
+      <dsp:spPr>
+        <a:xfrm>
+          <a:off x="2893404" y="435562"/>
+          <a:ext cx="2061790" cy="1237074"/>
+        </a:xfrm>
+        <a:prstGeom prst="roundRect">
+          <a:avLst>
+            <a:gd name="adj" fmla="val 10000"/>
+          </a:avLst>
+        </a:prstGeom>
+        <a:solidFill>
+          <a:schemeClr val="accent1">
+            <a:lumMod val="50000"/>
+          </a:schemeClr>
+        </a:solidFill>
+        <a:ln w="19050" cap="flat" cmpd="sng" algn="ctr">
+          <a:solidFill>
+            <a:schemeClr val="lt1">
+              <a:hueOff val="0"/>
+              <a:satOff val="0"/>
+              <a:lumOff val="0"/>
+              <a:alphaOff val="0"/>
+            </a:schemeClr>
+          </a:solidFill>
+          <a:prstDash val="solid"/>
+        </a:ln>
+        <a:effectLst/>
+      </dsp:spPr>
+      <dsp:style>
+        <a:lnRef idx="2">
+          <a:scrgbClr r="0" g="0" b="0"/>
+        </a:lnRef>
+        <a:fillRef idx="1">
+          <a:scrgbClr r="0" g="0" b="0"/>
+        </a:fillRef>
+        <a:effectRef idx="0">
+          <a:scrgbClr r="0" g="0" b="0"/>
+        </a:effectRef>
+        <a:fontRef idx="minor">
+          <a:schemeClr val="lt1"/>
+        </a:fontRef>
+      </dsp:style>
+      <dsp:txBody>
+        <a:bodyPr spcFirstLastPara="0" vert="horz" wrap="square" lIns="129540" tIns="129540" rIns="129540" bIns="129540" numCol="1" spcCol="1270" anchor="ctr" anchorCtr="0">
+          <a:noAutofit/>
+        </a:bodyPr>
+        <a:lstStyle/>
+        <a:p>
+          <a:pPr lvl="0" algn="ctr" defTabSz="1511300">
+            <a:lnSpc>
+              <a:spcPct val="90000"/>
+            </a:lnSpc>
+            <a:spcBef>
+              <a:spcPct val="0"/>
+            </a:spcBef>
+            <a:spcAft>
+              <a:spcPct val="35000"/>
+            </a:spcAft>
+          </a:pPr>
+          <a:r>
+            <a:rPr lang="en-US" sz="3400" kern="1200" dirty="0" smtClean="0">
+              <a:solidFill>
+                <a:schemeClr val="tx2"/>
+              </a:solidFill>
+            </a:rPr>
+            <a:t>Process Data</a:t>
+          </a:r>
+          <a:endParaRPr lang="en-US" sz="3400" kern="1200" dirty="0">
+            <a:solidFill>
+              <a:schemeClr val="tx2"/>
+            </a:solidFill>
+          </a:endParaRPr>
+        </a:p>
+      </dsp:txBody>
+      <dsp:txXfrm>
+        <a:off x="2929637" y="471795"/>
+        <a:ext cx="1989324" cy="1164608"/>
+      </dsp:txXfrm>
+    </dsp:sp>
+    <dsp:sp modelId="{18D0219E-B734-4678-BBDF-4FCABA332D5C}">
+      <dsp:nvSpPr>
+        <dsp:cNvPr id="0" name=""/>
+        <dsp:cNvSpPr/>
+      </dsp:nvSpPr>
+      <dsp:spPr>
+        <a:xfrm>
+          <a:off x="5161374" y="798437"/>
+          <a:ext cx="437099" cy="511324"/>
+        </a:xfrm>
+        <a:prstGeom prst="rightArrow">
+          <a:avLst>
+            <a:gd name="adj1" fmla="val 60000"/>
+            <a:gd name="adj2" fmla="val 50000"/>
+          </a:avLst>
+        </a:prstGeom>
+        <a:solidFill>
+          <a:schemeClr val="accent1">
+            <a:tint val="60000"/>
+            <a:hueOff val="0"/>
+            <a:satOff val="0"/>
+            <a:lumOff val="0"/>
+            <a:alphaOff val="0"/>
+          </a:schemeClr>
+        </a:solidFill>
+        <a:ln>
+          <a:noFill/>
+        </a:ln>
+        <a:effectLst/>
+      </dsp:spPr>
+      <dsp:style>
+        <a:lnRef idx="0">
+          <a:scrgbClr r="0" g="0" b="0"/>
+        </a:lnRef>
+        <a:fillRef idx="1">
+          <a:scrgbClr r="0" g="0" b="0"/>
+        </a:fillRef>
+        <a:effectRef idx="0">
+          <a:scrgbClr r="0" g="0" b="0"/>
+        </a:effectRef>
+        <a:fontRef idx="minor">
+          <a:schemeClr val="lt1"/>
+        </a:fontRef>
+      </dsp:style>
+      <dsp:txBody>
+        <a:bodyPr spcFirstLastPara="0" vert="horz" wrap="square" lIns="0" tIns="0" rIns="0" bIns="0" numCol="1" spcCol="1270" anchor="ctr" anchorCtr="0">
+          <a:noAutofit/>
+        </a:bodyPr>
+        <a:lstStyle/>
+        <a:p>
+          <a:pPr lvl="0" algn="ctr" defTabSz="1022350">
+            <a:lnSpc>
+              <a:spcPct val="90000"/>
+            </a:lnSpc>
+            <a:spcBef>
+              <a:spcPct val="0"/>
+            </a:spcBef>
+            <a:spcAft>
+              <a:spcPct val="35000"/>
+            </a:spcAft>
+          </a:pPr>
+          <a:endParaRPr lang="en-US" sz="2300" kern="1200"/>
+        </a:p>
+      </dsp:txBody>
+      <dsp:txXfrm>
+        <a:off x="5161374" y="900702"/>
+        <a:ext cx="305969" cy="306794"/>
+      </dsp:txXfrm>
+    </dsp:sp>
+    <dsp:sp modelId="{2FE814F9-F2D5-4FCE-A477-D578E054108A}">
+      <dsp:nvSpPr>
+        <dsp:cNvPr id="0" name=""/>
+        <dsp:cNvSpPr/>
+      </dsp:nvSpPr>
+      <dsp:spPr>
+        <a:xfrm>
+          <a:off x="5779911" y="435562"/>
+          <a:ext cx="2061790" cy="1237074"/>
+        </a:xfrm>
+        <a:prstGeom prst="roundRect">
+          <a:avLst>
+            <a:gd name="adj" fmla="val 10000"/>
+          </a:avLst>
+        </a:prstGeom>
+        <a:solidFill>
+          <a:schemeClr val="accent1">
+            <a:lumMod val="50000"/>
+          </a:schemeClr>
+        </a:solidFill>
+        <a:ln w="19050" cap="flat" cmpd="sng" algn="ctr">
+          <a:solidFill>
+            <a:schemeClr val="lt1">
+              <a:hueOff val="0"/>
+              <a:satOff val="0"/>
+              <a:lumOff val="0"/>
+              <a:alphaOff val="0"/>
+            </a:schemeClr>
+          </a:solidFill>
+          <a:prstDash val="solid"/>
+        </a:ln>
+        <a:effectLst/>
+      </dsp:spPr>
+      <dsp:style>
+        <a:lnRef idx="2">
+          <a:scrgbClr r="0" g="0" b="0"/>
+        </a:lnRef>
+        <a:fillRef idx="1">
+          <a:scrgbClr r="0" g="0" b="0"/>
+        </a:fillRef>
+        <a:effectRef idx="0">
+          <a:scrgbClr r="0" g="0" b="0"/>
+        </a:effectRef>
+        <a:fontRef idx="minor">
+          <a:schemeClr val="lt1"/>
+        </a:fontRef>
+      </dsp:style>
+      <dsp:txBody>
+        <a:bodyPr spcFirstLastPara="0" vert="horz" wrap="square" lIns="129540" tIns="129540" rIns="129540" bIns="129540" numCol="1" spcCol="1270" anchor="ctr" anchorCtr="0">
+          <a:noAutofit/>
+        </a:bodyPr>
+        <a:lstStyle/>
+        <a:p>
+          <a:pPr lvl="0" algn="ctr" defTabSz="1511300">
+            <a:lnSpc>
+              <a:spcPct val="90000"/>
+            </a:lnSpc>
+            <a:spcBef>
+              <a:spcPct val="0"/>
+            </a:spcBef>
+            <a:spcAft>
+              <a:spcPct val="35000"/>
+            </a:spcAft>
+          </a:pPr>
+          <a:r>
+            <a:rPr lang="en-US" sz="3400" kern="1200" dirty="0" smtClean="0">
+              <a:solidFill>
+                <a:schemeClr val="tx2"/>
+              </a:solidFill>
+            </a:rPr>
+            <a:t>Present Data</a:t>
+          </a:r>
+          <a:endParaRPr lang="en-US" sz="3400" kern="1200" dirty="0">
+            <a:solidFill>
+              <a:schemeClr val="tx2"/>
+            </a:solidFill>
+          </a:endParaRPr>
+        </a:p>
+      </dsp:txBody>
+      <dsp:txXfrm>
+        <a:off x="5816144" y="471795"/>
+        <a:ext cx="1989324" cy="1164608"/>
+      </dsp:txXfrm>
+    </dsp:sp>
+  </dsp:spTree>
+</dsp:drawing>
+</file>
+
+<file path=ppt/diagrams/layout1.xml><?xml version="1.0" encoding="utf-8"?>
+<dgm:layoutDef xmlns:dgm="http://schemas.openxmlformats.org/drawingml/2006/diagram" xmlns:a="http://schemas.openxmlformats.org/drawingml/2006/main" uniqueId="urn:microsoft.com/office/officeart/2005/8/layout/process1">
+  <dgm:title val=""/>
+  <dgm:desc val=""/>
+  <dgm:catLst>
+    <dgm:cat type="process" pri="1000"/>
+    <dgm:cat type="convert" pri="15000"/>
+  </dgm:catLst>
+  <dgm:sampData useDef="1">
+    <dgm:dataModel>
+      <dgm:ptLst/>
+      <dgm:bg/>
+      <dgm:whole/>
+    </dgm:dataModel>
+  </dgm:sampData>
+  <dgm:styleData>
+    <dgm:dataModel>
+      <dgm:ptLst>
+        <dgm:pt modelId="0" type="doc"/>
+        <dgm:pt modelId="1"/>
+        <dgm:pt modelId="2"/>
+      </dgm:ptLst>
+      <dgm:cxnLst>
+        <dgm:cxn modelId="3" srcId="0" destId="1" srcOrd="0" destOrd="0"/>
+        <dgm:cxn modelId="4" srcId="0" destId="2" srcOrd="1" destOrd="0"/>
+      </dgm:cxnLst>
+      <dgm:bg/>
+      <dgm:whole/>
+    </dgm:dataModel>
+  </dgm:styleData>
+  <dgm:clrData>
+    <dgm:dataModel>
+      <dgm:ptLst>
+        <dgm:pt modelId="0" type="doc"/>
+        <dgm:pt modelId="1"/>
+        <dgm:pt modelId="2"/>
+        <dgm:pt modelId="3"/>
+        <dgm:pt modelId="4"/>
+      </dgm:ptLst>
+      <dgm:cxnLst>
+        <dgm:cxn modelId="5" srcId="0" destId="1" srcOrd="0" destOrd="0"/>
+        <dgm:cxn modelId="6" srcId="0" destId="2" srcOrd="1" destOrd="0"/>
+        <dgm:cxn modelId="7" srcId="0" destId="3" srcOrd="2" destOrd="0"/>
+        <dgm:cxn modelId="8" srcId="0" destId="4" srcOrd="3" destOrd="0"/>
+      </dgm:cxnLst>
+      <dgm:bg/>
+      <dgm:whole/>
+    </dgm:dataModel>
+  </dgm:clrData>
+  <dgm:layoutNode name="Name0">
+    <dgm:varLst>
+      <dgm:dir/>
+      <dgm:resizeHandles val="exact"/>
+    </dgm:varLst>
+    <dgm:choose name="Name1">
+      <dgm:if name="Name2" func="var" arg="dir" op="equ" val="norm">
+        <dgm:alg type="lin"/>
+      </dgm:if>
+      <dgm:else name="Name3">
+        <dgm:alg type="lin">
+          <dgm:param type="linDir" val="fromR"/>
+        </dgm:alg>
+      </dgm:else>
+    </dgm:choose>
+    <dgm:shape xmlns:r="http://schemas.openxmlformats.org/officeDocument/2006/relationships" r:blip="">
+      <dgm:adjLst/>
+    </dgm:shape>
+    <dgm:presOf/>
+    <dgm:constrLst>
+      <dgm:constr type="w" for="ch" ptType="node" refType="w"/>
+      <dgm:constr type="h" for="ch" ptType="node" op="equ"/>
+      <dgm:constr type="primFontSz" for="ch" ptType="node" op="equ" val="65"/>
+      <dgm:constr type="w" for="ch" ptType="sibTrans" refType="w" refFor="ch" refPtType="node" op="equ" fact="0.4"/>
+      <dgm:constr type="h" for="ch" ptType="sibTrans" op="equ"/>
+      <dgm:constr type="primFontSz" for="des" forName="connectorText" op="equ" val="55"/>
+      <dgm:constr type="primFontSz" for="des" forName="connectorText" refType="primFontSz" refFor="ch" refPtType="node" op="lte" fact="0.8"/>
+    </dgm:constrLst>
+    <dgm:ruleLst/>
+    <dgm:forEach name="nodesForEach" axis="ch" ptType="node">
+      <dgm:layoutNode name="node">
+        <dgm:varLst>
+          <dgm:bulletEnabled val="1"/>
+        </dgm:varLst>
+        <dgm:alg type="tx"/>
+        <dgm:shape xmlns:r="http://schemas.openxmlformats.org/officeDocument/2006/relationships" type="roundRect" r:blip="">
+          <dgm:adjLst>
+            <dgm:adj idx="1" val="0.1"/>
+          </dgm:adjLst>
+        </dgm:shape>
+        <dgm:presOf axis="desOrSelf" ptType="node"/>
+        <dgm:constrLst>
+          <dgm:constr type="h" refType="w" fact="0.6"/>
+          <dgm:constr type="tMarg" refType="primFontSz" fact="0.3"/>
+          <dgm:constr type="bMarg" refType="primFontSz" fact="0.3"/>
+          <dgm:constr type="lMarg" refType="primFontSz" fact="0.3"/>
+          <dgm:constr type="rMarg" refType="primFontSz" fact="0.3"/>
+        </dgm:constrLst>
+        <dgm:ruleLst>
+          <dgm:rule type="primFontSz" val="18" fact="NaN" max="NaN"/>
+          <dgm:rule type="h" val="NaN" fact="1.5" max="NaN"/>
+          <dgm:rule type="primFontSz" val="5" fact="NaN" max="NaN"/>
+          <dgm:rule type="h" val="INF" fact="NaN" max="NaN"/>
+        </dgm:ruleLst>
+      </dgm:layoutNode>
+      <dgm:forEach name="sibTransForEach" axis="followSib" ptType="sibTrans" cnt="1">
+        <dgm:layoutNode name="sibTrans">
+          <dgm:alg type="conn">
+            <dgm:param type="begPts" val="auto"/>
+            <dgm:param type="endPts" val="auto"/>
+          </dgm:alg>
+          <dgm:shape xmlns:r="http://schemas.openxmlformats.org/officeDocument/2006/relationships" type="conn" r:blip="">
+            <dgm:adjLst/>
+          </dgm:shape>
+          <dgm:presOf axis="self"/>
+          <dgm:constrLst>
+            <dgm:constr type="h" refType="w" fact="0.62"/>
+            <dgm:constr type="connDist"/>
+            <dgm:constr type="begPad" refType="connDist" fact="0.25"/>
+            <dgm:constr type="endPad" refType="connDist" fact="0.22"/>
+          </dgm:constrLst>
+          <dgm:ruleLst/>
+          <dgm:layoutNode name="connectorText">
+            <dgm:alg type="tx">
+              <dgm:param type="autoTxRot" val="grav"/>
+            </dgm:alg>
+            <dgm:shape xmlns:r="http://schemas.openxmlformats.org/officeDocument/2006/relationships" type="conn" r:blip="" hideGeom="1">
+              <dgm:adjLst/>
+            </dgm:shape>
+            <dgm:presOf axis="self"/>
+            <dgm:constrLst>
+              <dgm:constr type="lMarg"/>
+              <dgm:constr type="rMarg"/>
+              <dgm:constr type="tMarg"/>
+              <dgm:constr type="bMarg"/>
+            </dgm:constrLst>
+            <dgm:ruleLst>
+              <dgm:rule type="primFontSz" val="5" fact="NaN" max="NaN"/>
+            </dgm:ruleLst>
+          </dgm:layoutNode>
+        </dgm:layoutNode>
+      </dgm:forEach>
+    </dgm:forEach>
+  </dgm:layoutNode>
+</dgm:layoutDef>
+</file>
+
+<file path=ppt/diagrams/quickStyle1.xml><?xml version="1.0" encoding="utf-8"?>
+<dgm:styleDef xmlns:dgm="http://schemas.openxmlformats.org/drawingml/2006/diagram" xmlns:a="http://schemas.openxmlformats.org/drawingml/2006/main" uniqueId="urn:microsoft.com/office/officeart/2005/8/quickstyle/simple1">
+  <dgm:title val=""/>
+  <dgm:desc val=""/>
+  <dgm:catLst>
+    <dgm:cat type="simple" pri="10100"/>
+  </dgm:catLst>
+  <dgm:scene3d>
+    <a:camera prst="orthographicFront"/>
+    <a:lightRig rig="threePt" dir="t"/>
+  </dgm:scene3d>
+  <dgm:styleLbl name="node0">
+    <dgm:scene3d>
+      <a:camera prst="orthographicFront"/>
+      <a:lightRig rig="threePt" dir="t"/>
+    </dgm:scene3d>
+    <dgm:sp3d/>
+    <dgm:txPr/>
+    <dgm:style>
+      <a:lnRef idx="2">
+        <a:scrgbClr r="0" g="0" b="0"/>
+      </a:lnRef>
+      <a:fillRef idx="1">
+        <a:scrgbClr r="0" g="0" b="0"/>
+      </a:fillRef>
+      <a:effectRef idx="0">
+        <a:scrgbClr r="0" g="0" b="0"/>
+      </a:effectRef>
+      <a:fontRef idx="minor">
+        <a:schemeClr val="lt1"/>
+      </a:fontRef>
+    </dgm:style>
+  </dgm:styleLbl>
+  <dgm:styleLbl name="lnNode1">
+    <dgm:scene3d>
+      <a:camera prst="orthographicFront"/>
+      <a:lightRig rig="threePt" dir="t"/>
+    </dgm:scene3d>
+    <dgm:sp3d/>
+    <dgm:txPr/>
+    <dgm:style>
+      <a:lnRef idx="2">
+        <a:scrgbClr r="0" g="0" b="0"/>
+      </a:lnRef>
+      <a:fillRef idx="1">
+        <a:scrgbClr r="0" g="0" b="0"/>
+      </a:fillRef>
+      <a:effectRef idx="0">
+        <a:scrgbClr r="0" g="0" b="0"/>
+      </a:effectRef>
+      <a:fontRef idx="minor">
+        <a:schemeClr val="lt1"/>
+      </a:fontRef>
+    </dgm:style>
+  </dgm:styleLbl>
+  <dgm:styleLbl name="vennNode1">
+    <dgm:scene3d>
+      <a:camera prst="orthographicFront"/>
+      <a:lightRig rig="threePt" dir="t"/>
+    </dgm:scene3d>
+    <dgm:sp3d/>
+    <dgm:txPr/>
+    <dgm:style>
+      <a:lnRef idx="2">
+        <a:scrgbClr r="0" g="0" b="0"/>
+      </a:lnRef>
+      <a:fillRef idx="1">
+        <a:scrgbClr r="0" g="0" b="0"/>
+      </a:fillRef>
+      <a:effectRef idx="0">
+        <a:scrgbClr r="0" g="0" b="0"/>
+      </a:effectRef>
+      <a:fontRef idx="minor">
+        <a:schemeClr val="tx1"/>
+      </a:fontRef>
+    </dgm:style>
+  </dgm:styleLbl>
+  <dgm:styleLbl name="alignNode1">
+    <dgm:scene3d>
+      <a:camera prst="orthographicFront"/>
+      <a:lightRig rig="threePt" dir="t"/>
+    </dgm:scene3d>
+    <dgm:sp3d/>
+    <dgm:txPr/>
+    <dgm:style>
+      <a:lnRef idx="2">
+        <a:scrgbClr r="0" g="0" b="0"/>
+      </a:lnRef>
+      <a:fillRef idx="1">
+        <a:scrgbClr r="0" g="0" b="0"/>
+      </a:fillRef>
+      <a:effectRef idx="0">
+        <a:scrgbClr r="0" g="0" b="0"/>
+      </a:effectRef>
+      <a:fontRef idx="minor">
+        <a:schemeClr val="lt1"/>
+      </a:fontRef>
+    </dgm:style>
+  </dgm:styleLbl>
+  <dgm:styleLbl name="node1">
+    <dgm:scene3d>
+      <a:camera prst="orthographicFront"/>
+      <a:lightRig rig="threePt" dir="t"/>
+    </dgm:scene3d>
+    <dgm:sp3d/>
+    <dgm:txPr/>
+    <dgm:style>
+      <a:lnRef idx="2">
+        <a:scrgbClr r="0" g="0" b="0"/>
+      </a:lnRef>
+      <a:fillRef idx="1">
+        <a:scrgbClr r="0" g="0" b="0"/>
+      </a:fillRef>
+      <a:effectRef idx="0">
+        <a:scrgbClr r="0" g="0" b="0"/>
+      </a:effectRef>
+      <a:fontRef idx="minor">
+        <a:schemeClr val="lt1"/>
+      </a:fontRef>
+    </dgm:style>
+  </dgm:styleLbl>
+  <dgm:styleLbl name="node2">
+    <dgm:scene3d>
+      <a:camera prst="orthographicFront"/>
+      <a:lightRig rig="threePt" dir="t"/>
+    </dgm:scene3d>
+    <dgm:sp3d/>
+    <dgm:txPr/>
+    <dgm:style>
+      <a:lnRef idx="2">
+        <a:scrgbClr r="0" g="0" b="0"/>
+      </a:lnRef>
+      <a:fillRef idx="1">
+        <a:scrgbClr r="0" g="0" b="0"/>
+      </a:fillRef>
+      <a:effectRef idx="0">
+        <a:scrgbClr r="0" g="0" b="0"/>
+      </a:effectRef>
+      <a:fontRef idx="minor">
+        <a:schemeClr val="lt1"/>
+      </a:fontRef>
+    </dgm:style>
+  </dgm:styleLbl>
+  <dgm:styleLbl name="node3">
+    <dgm:scene3d>
+      <a:camera prst="orthographicFront"/>
+      <a:lightRig rig="threePt" dir="t"/>
+    </dgm:scene3d>
+    <dgm:sp3d/>
+    <dgm:txPr/>
+    <dgm:style>
+      <a:lnRef idx="2">
+        <a:scrgbClr r="0" g="0" b="0"/>
+      </a:lnRef>
+      <a:fillRef idx="1">
+        <a:scrgbClr r="0" g="0" b="0"/>
+      </a:fillRef>
+      <a:effectRef idx="0">
+        <a:scrgbClr r="0" g="0" b="0"/>
+      </a:effectRef>
+      <a:fontRef idx="minor">
+        <a:schemeClr val="lt1"/>
+      </a:fontRef>
+    </dgm:style>
+  </dgm:styleLbl>
+  <dgm:styleLbl name="node4">
+    <dgm:scene3d>
+      <a:camera prst="orthographicFront"/>
+      <a:lightRig rig="threePt" dir="t"/>
+    </dgm:scene3d>
+    <dgm:sp3d/>
+    <dgm:txPr/>
+    <dgm:style>
+      <a:lnRef idx="2">
+        <a:scrgbClr r="0" g="0" b="0"/>
+      </a:lnRef>
+      <a:fillRef idx="1">
+        <a:scrgbClr r="0" g="0" b="0"/>
+      </a:fillRef>
+      <a:effectRef idx="0">
+        <a:scrgbClr r="0" g="0" b="0"/>
+      </a:effectRef>
+      <a:fontRef idx="minor">
+        <a:schemeClr val="lt1"/>
+      </a:fontRef>
+    </dgm:style>
+  </dgm:styleLbl>
+  <dgm:styleLbl name="fgImgPlace1">
+    <dgm:scene3d>
+      <a:camera prst="orthographicFront"/>
+      <a:lightRig rig="threePt" dir="t"/>
+    </dgm:scene3d>
+    <dgm:sp3d/>
+    <dgm:txPr/>
+    <dgm:style>
+      <a:lnRef idx="2">
+        <a:scrgbClr r="0" g="0" b="0"/>
+      </a:lnRef>
+      <a:fillRef idx="1">
+        <a:scrgbClr r="0" g="0" b="0"/>
+      </a:fillRef>
+      <a:effectRef idx="0">
+        <a:scrgbClr r="0" g="0" b="0"/>
+      </a:effectRef>
+      <a:fontRef idx="minor"/>
+    </dgm:style>
+  </dgm:styleLbl>
+  <dgm:styleLbl name="alignImgPlace1">
+    <dgm:scene3d>
+      <a:camera prst="orthographicFront"/>
+      <a:lightRig rig="threePt" dir="t"/>
+    </dgm:scene3d>
+    <dgm:sp3d/>
+    <dgm:txPr/>
+    <dgm:style>
+      <a:lnRef idx="2">
+        <a:scrgbClr r="0" g="0" b="0"/>
+      </a:lnRef>
+      <a:fillRef idx="1">
+        <a:scrgbClr r="0" g="0" b="0"/>
+      </a:fillRef>
+      <a:effectRef idx="0">
+        <a:scrgbClr r="0" g="0" b="0"/>
+      </a:effectRef>
+      <a:fontRef idx="minor"/>
+    </dgm:style>
+  </dgm:styleLbl>
+  <dgm:styleLbl name="bgImgPlace1">
+    <dgm:scene3d>
+      <a:camera prst="orthographicFront"/>
+      <a:lightRig rig="threePt" dir="t"/>
+    </dgm:scene3d>
+    <dgm:sp3d/>
+    <dgm:txPr/>
+    <dgm:style>
+      <a:lnRef idx="2">
+        <a:scrgbClr r="0" g="0" b="0"/>
+      </a:lnRef>
+      <a:fillRef idx="1">
+        <a:scrgbClr r="0" g="0" b="0"/>
+      </a:fillRef>
+      <a:effectRef idx="0">
+        <a:scrgbClr r="0" g="0" b="0"/>
+      </a:effectRef>
+      <a:fontRef idx="minor"/>
+    </dgm:style>
+  </dgm:styleLbl>
+  <dgm:styleLbl name="sibTrans2D1">
+    <dgm:scene3d>
+      <a:camera prst="orthographicFront"/>
+      <a:lightRig rig="threePt" dir="t"/>
+    </dgm:scene3d>
+    <dgm:sp3d/>
+    <dgm:txPr/>
+    <dgm:style>
+      <a:lnRef idx="0">
+        <a:scrgbClr r="0" g="0" b="0"/>
+      </a:lnRef>
+      <a:fillRef idx="1">
+        <a:scrgbClr r="0" g="0" b="0"/>
+      </a:fillRef>
+      <a:effectRef idx="0">
+        <a:scrgbClr r="0" g="0" b="0"/>
+      </a:effectRef>
+      <a:fontRef idx="minor">
+        <a:schemeClr val="lt1"/>
+      </a:fontRef>
+    </dgm:style>
+  </dgm:styleLbl>
+  <dgm:styleLbl name="fgSibTrans2D1">
+    <dgm:scene3d>
+      <a:camera prst="orthographicFront"/>
+      <a:lightRig rig="threePt" dir="t"/>
+    </dgm:scene3d>
+    <dgm:sp3d/>
+    <dgm:txPr/>
+    <dgm:style>
+      <a:lnRef idx="0">
+        <a:scrgbClr r="0" g="0" b="0"/>
+      </a:lnRef>
+      <a:fillRef idx="1">
+        <a:scrgbClr r="0" g="0" b="0"/>
+      </a:fillRef>
+      <a:effectRef idx="0">
+        <a:scrgbClr r="0" g="0" b="0"/>
+      </a:effectRef>
+      <a:fontRef idx="minor">
+        <a:schemeClr val="lt1"/>
+      </a:fontRef>
+    </dgm:style>
+  </dgm:styleLbl>
+  <dgm:styleLbl name="bgSibTrans2D1">
+    <dgm:scene3d>
+      <a:camera prst="orthographicFront"/>
+      <a:lightRig rig="threePt" dir="t"/>
+    </dgm:scene3d>
+    <dgm:sp3d/>
+    <dgm:txPr/>
+    <dgm:style>
+      <a:lnRef idx="0">
+        <a:scrgbClr r="0" g="0" b="0"/>
+      </a:lnRef>
+      <a:fillRef idx="1">
+        <a:scrgbClr r="0" g="0" b="0"/>
+      </a:fillRef>
+      <a:effectRef idx="0">
+        <a:scrgbClr r="0" g="0" b="0"/>
+      </a:effectRef>
+      <a:fontRef idx="minor">
+        <a:schemeClr val="lt1"/>
+      </a:fontRef>
+    </dgm:style>
+  </dgm:styleLbl>
+  <dgm:styleLbl name="sibTrans1D1">
+    <dgm:scene3d>
+      <a:camera prst="orthographicFront"/>
+      <a:lightRig rig="threePt" dir="t"/>
+    </dgm:scene3d>
+    <dgm:sp3d/>
+    <dgm:txPr/>
+    <dgm:style>
+      <a:lnRef idx="1">
+        <a:scrgbClr r="0" g="0" b="0"/>
+      </a:lnRef>
+      <a:fillRef idx="0">
+        <a:scrgbClr r="0" g="0" b="0"/>
+      </a:fillRef>
+      <a:effectRef idx="0">
+        <a:scrgbClr r="0" g="0" b="0"/>
+      </a:effectRef>
+      <a:fontRef idx="minor"/>
+    </dgm:style>
+  </dgm:styleLbl>
+  <dgm:styleLbl name="callout">
+    <dgm:scene3d>
+      <a:camera prst="orthographicFront"/>
+      <a:lightRig rig="threePt" dir="t"/>
+    </dgm:scene3d>
+    <dgm:sp3d/>
+    <dgm:txPr/>
+    <dgm:style>
+      <a:lnRef idx="2">
+        <a:scrgbClr r="0" g="0" b="0"/>
+      </a:lnRef>
+      <a:fillRef idx="1">
+        <a:scrgbClr r="0" g="0" b="0"/>
+      </a:fillRef>
+      <a:effectRef idx="0">
+        <a:scrgbClr r="0" g="0" b="0"/>
+      </a:effectRef>
+      <a:fontRef idx="minor"/>
+    </dgm:style>
+  </dgm:styleLbl>
+  <dgm:styleLbl name="asst0">
+    <dgm:scene3d>
+      <a:camera prst="orthographicFront"/>
+      <a:lightRig rig="threePt" dir="t"/>
+    </dgm:scene3d>
+    <dgm:sp3d/>
+    <dgm:txPr/>
+    <dgm:style>
+      <a:lnRef idx="2">
+        <a:scrgbClr r="0" g="0" b="0"/>
+      </a:lnRef>
+      <a:fillRef idx="1">
+        <a:scrgbClr r="0" g="0" b="0"/>
+      </a:fillRef>
+      <a:effectRef idx="0">
+        <a:scrgbClr r="0" g="0" b="0"/>
+      </a:effectRef>
+      <a:fontRef idx="minor">
+        <a:schemeClr val="lt1"/>
+      </a:fontRef>
+    </dgm:style>
+  </dgm:styleLbl>
+  <dgm:styleLbl name="asst1">
+    <dgm:scene3d>
+      <a:camera prst="orthographicFront"/>
+      <a:lightRig rig="threePt" dir="t"/>
+    </dgm:scene3d>
+    <dgm:sp3d/>
+    <dgm:txPr/>
+    <dgm:style>
+      <a:lnRef idx="2">
+        <a:scrgbClr r="0" g="0" b="0"/>
+      </a:lnRef>
+      <a:fillRef idx="1">
+        <a:scrgbClr r="0" g="0" b="0"/>
+      </a:fillRef>
+      <a:effectRef idx="0">
+        <a:scrgbClr r="0" g="0" b="0"/>
+      </a:effectRef>
+      <a:fontRef idx="minor">
+        <a:schemeClr val="lt1"/>
+      </a:fontRef>
+    </dgm:style>
+  </dgm:styleLbl>
+  <dgm:styleLbl name="asst2">
+    <dgm:scene3d>
+      <a:camera prst="orthographicFront"/>
+      <a:lightRig rig="threePt" dir="t"/>
+    </dgm:scene3d>
+    <dgm:sp3d/>
+    <dgm:txPr/>
+    <dgm:style>
+      <a:lnRef idx="2">
+        <a:scrgbClr r="0" g="0" b="0"/>
+      </a:lnRef>
+      <a:fillRef idx="1">
+        <a:scrgbClr r="0" g="0" b="0"/>
+      </a:fillRef>
+      <a:effectRef idx="0">
+        <a:scrgbClr r="0" g="0" b="0"/>
+      </a:effectRef>
+      <a:fontRef idx="minor">
+        <a:schemeClr val="lt1"/>
+      </a:fontRef>
+    </dgm:style>
+  </dgm:styleLbl>
+  <dgm:styleLbl name="asst3">
+    <dgm:scene3d>
+      <a:camera prst="orthographicFront"/>
+      <a:lightRig rig="threePt" dir="t"/>
+    </dgm:scene3d>
+    <dgm:sp3d/>
+    <dgm:txPr/>
+    <dgm:style>
+      <a:lnRef idx="2">
+        <a:scrgbClr r="0" g="0" b="0"/>
+      </a:lnRef>
+      <a:fillRef idx="1">
+        <a:scrgbClr r="0" g="0" b="0"/>
+      </a:fillRef>
+      <a:effectRef idx="0">
+        <a:scrgbClr r="0" g="0" b="0"/>
+      </a:effectRef>
+      <a:fontRef idx="minor">
+        <a:schemeClr val="lt1"/>
+      </a:fontRef>
+    </dgm:style>
+  </dgm:styleLbl>
+  <dgm:styleLbl name="asst4">
+    <dgm:scene3d>
+      <a:camera prst="orthographicFront"/>
+      <a:lightRig rig="threePt" dir="t"/>
+    </dgm:scene3d>
+    <dgm:sp3d/>
+    <dgm:txPr/>
+    <dgm:style>
+      <a:lnRef idx="2">
+        <a:scrgbClr r="0" g="0" b="0"/>
+      </a:lnRef>
+      <a:fillRef idx="1">
+        <a:scrgbClr r="0" g="0" b="0"/>
+      </a:fillRef>
+      <a:effectRef idx="0">
+        <a:scrgbClr r="0" g="0" b="0"/>
+      </a:effectRef>
+      <a:fontRef idx="minor">
+        <a:schemeClr val="lt1"/>
+      </a:fontRef>
+    </dgm:style>
+  </dgm:styleLbl>
+  <dgm:styleLbl name="parChTrans2D1">
+    <dgm:scene3d>
+      <a:camera prst="orthographicFront"/>
+      <a:lightRig rig="threePt" dir="t"/>
+    </dgm:scene3d>
+    <dgm:sp3d/>
+    <dgm:txPr/>
+    <dgm:style>
+      <a:lnRef idx="2">
+        <a:scrgbClr r="0" g="0" b="0"/>
+      </a:lnRef>
+      <a:fillRef idx="1">
+        <a:scrgbClr r="0" g="0" b="0"/>
+      </a:fillRef>
+      <a:effectRef idx="0">
+        <a:scrgbClr r="0" g="0" b="0"/>
+      </a:effectRef>
+      <a:fontRef idx="minor">
+        <a:schemeClr val="lt1"/>
+      </a:fontRef>
+    </dgm:style>
+  </dgm:styleLbl>
+  <dgm:styleLbl name="parChTrans2D2">
+    <dgm:scene3d>
+      <a:camera prst="orthographicFront"/>
+      <a:lightRig rig="threePt" dir="t"/>
+    </dgm:scene3d>
+    <dgm:sp3d/>
+    <dgm:txPr/>
+    <dgm:style>
+      <a:lnRef idx="2">
+        <a:scrgbClr r="0" g="0" b="0"/>
+      </a:lnRef>
+      <a:fillRef idx="1">
+        <a:scrgbClr r="0" g="0" b="0"/>
+      </a:fillRef>
+      <a:effectRef idx="0">
+        <a:scrgbClr r="0" g="0" b="0"/>
+      </a:effectRef>
+      <a:fontRef idx="minor">
+        <a:schemeClr val="lt1"/>
+      </a:fontRef>
+    </dgm:style>
+  </dgm:styleLbl>
+  <dgm:styleLbl name="parChTrans2D3">
+    <dgm:scene3d>
+      <a:camera prst="orthographicFront"/>
+      <a:lightRig rig="threePt" dir="t"/>
+    </dgm:scene3d>
+    <dgm:sp3d/>
+    <dgm:txPr/>
+    <dgm:style>
+      <a:lnRef idx="2">
+        <a:scrgbClr r="0" g="0" b="0"/>
+      </a:lnRef>
+      <a:fillRef idx="1">
+        <a:scrgbClr r="0" g="0" b="0"/>
+      </a:fillRef>
+      <a:effectRef idx="0">
+        <a:scrgbClr r="0" g="0" b="0"/>
+      </a:effectRef>
+      <a:fontRef idx="minor">
+        <a:schemeClr val="lt1"/>
+      </a:fontRef>
+    </dgm:style>
+  </dgm:styleLbl>
+  <dgm:styleLbl name="parChTrans2D4">
+    <dgm:scene3d>
+      <a:camera prst="orthographicFront"/>
+      <a:lightRig rig="threePt" dir="t"/>
+    </dgm:scene3d>
+    <dgm:sp3d/>
+    <dgm:txPr/>
+    <dgm:style>
+      <a:lnRef idx="2">
+        <a:scrgbClr r="0" g="0" b="0"/>
+      </a:lnRef>
+      <a:fillRef idx="1">
+        <a:scrgbClr r="0" g="0" b="0"/>
+      </a:fillRef>
+      <a:effectRef idx="0">
+        <a:scrgbClr r="0" g="0" b="0"/>
+      </a:effectRef>
+      <a:fontRef idx="minor">
+        <a:schemeClr val="lt1"/>
+      </a:fontRef>
+    </dgm:style>
+  </dgm:styleLbl>
+  <dgm:styleLbl name="parChTrans1D1">
+    <dgm:scene3d>
+      <a:camera prst="orthographicFront"/>
+      <a:lightRig rig="threePt" dir="t"/>
+    </dgm:scene3d>
+    <dgm:sp3d/>
+    <dgm:txPr/>
+    <dgm:style>
+      <a:lnRef idx="2">
+        <a:scrgbClr r="0" g="0" b="0"/>
+      </a:lnRef>
+      <a:fillRef idx="0">
+        <a:scrgbClr r="0" g="0" b="0"/>
+      </a:fillRef>
+      <a:effectRef idx="0">
+        <a:scrgbClr r="0" g="0" b="0"/>
+      </a:effectRef>
+      <a:fontRef idx="minor"/>
+    </dgm:style>
+  </dgm:styleLbl>
+  <dgm:styleLbl name="parChTrans1D2">
+    <dgm:scene3d>
+      <a:camera prst="orthographicFront"/>
+      <a:lightRig rig="threePt" dir="t"/>
+    </dgm:scene3d>
+    <dgm:sp3d/>
+    <dgm:txPr/>
+    <dgm:style>
+      <a:lnRef idx="2">
+        <a:scrgbClr r="0" g="0" b="0"/>
+      </a:lnRef>
+      <a:fillRef idx="0">
+        <a:scrgbClr r="0" g="0" b="0"/>
+      </a:fillRef>
+      <a:effectRef idx="0">
+        <a:scrgbClr r="0" g="0" b="0"/>
+      </a:effectRef>
+      <a:fontRef idx="minor"/>
+    </dgm:style>
+  </dgm:styleLbl>
+  <dgm:styleLbl name="parChTrans1D3">
+    <dgm:scene3d>
+      <a:camera prst="orthographicFront"/>
+      <a:lightRig rig="threePt" dir="t"/>
+    </dgm:scene3d>
+    <dgm:sp3d/>
+    <dgm:txPr/>
+    <dgm:style>
+      <a:lnRef idx="2">
+        <a:scrgbClr r="0" g="0" b="0"/>
+      </a:lnRef>
+      <a:fillRef idx="0">
+        <a:scrgbClr r="0" g="0" b="0"/>
+      </a:fillRef>
+      <a:effectRef idx="0">
+        <a:scrgbClr r="0" g="0" b="0"/>
+      </a:effectRef>
+      <a:fontRef idx="minor"/>
+    </dgm:style>
+  </dgm:styleLbl>
+  <dgm:styleLbl name="parChTrans1D4">
+    <dgm:scene3d>
+      <a:camera prst="orthographicFront"/>
+      <a:lightRig rig="threePt" dir="t"/>
+    </dgm:scene3d>
+    <dgm:sp3d/>
+    <dgm:txPr/>
+    <dgm:style>
+      <a:lnRef idx="2">
+        <a:scrgbClr r="0" g="0" b="0"/>
+      </a:lnRef>
+      <a:fillRef idx="0">
+        <a:scrgbClr r="0" g="0" b="0"/>
+      </a:fillRef>
+      <a:effectRef idx="0">
+        <a:scrgbClr r="0" g="0" b="0"/>
+      </a:effectRef>
+      <a:fontRef idx="minor"/>
+    </dgm:style>
+  </dgm:styleLbl>
+  <dgm:styleLbl name="fgAcc1">
+    <dgm:scene3d>
+      <a:camera prst="orthographicFront"/>
+      <a:lightRig rig="threePt" dir="t"/>
+    </dgm:scene3d>
+    <dgm:sp3d/>
+    <dgm:txPr/>
+    <dgm:style>
+      <a:lnRef idx="2">
+        <a:scrgbClr r="0" g="0" b="0"/>
+      </a:lnRef>
+      <a:fillRef idx="1">
+        <a:scrgbClr r="0" g="0" b="0"/>
+      </a:fillRef>
+      <a:effectRef idx="0">
+        <a:scrgbClr r="0" g="0" b="0"/>
+      </a:effectRef>
+      <a:fontRef idx="minor"/>
+    </dgm:style>
+  </dgm:styleLbl>
+  <dgm:styleLbl name="conFgAcc1">
+    <dgm:scene3d>
+      <a:camera prst="orthographicFront"/>
+      <a:lightRig rig="threePt" dir="t"/>
+    </dgm:scene3d>
+    <dgm:sp3d/>
+    <dgm:txPr/>
+    <dgm:style>
+      <a:lnRef idx="2">
+        <a:scrgbClr r="0" g="0" b="0"/>
+      </a:lnRef>
+      <a:fillRef idx="1">
+        <a:scrgbClr r="0" g="0" b="0"/>
+      </a:fillRef>
+      <a:effectRef idx="0">
+        <a:scrgbClr r="0" g="0" b="0"/>
+      </a:effectRef>
+      <a:fontRef idx="minor"/>
+    </dgm:style>
+  </dgm:styleLbl>
+  <dgm:styleLbl name="alignAcc1">
+    <dgm:scene3d>
+      <a:camera prst="orthographicFront"/>
+      <a:lightRig rig="threePt" dir="t"/>
+    </dgm:scene3d>
+    <dgm:sp3d/>
+    <dgm:txPr/>
+    <dgm:style>
+      <a:lnRef idx="2">
+        <a:scrgbClr r="0" g="0" b="0"/>
+      </a:lnRef>
+      <a:fillRef idx="1">
+        <a:scrgbClr r="0" g="0" b="0"/>
+      </a:fillRef>
+      <a:effectRef idx="0">
+        <a:scrgbClr r="0" g="0" b="0"/>
+      </a:effectRef>
+      <a:fontRef idx="minor"/>
+    </dgm:style>
+  </dgm:styleLbl>
+  <dgm:styleLbl name="trAlignAcc1">
+    <dgm:scene3d>
+      <a:camera prst="orthographicFront"/>
+      <a:lightRig rig="threePt" dir="t"/>
+    </dgm:scene3d>
+    <dgm:sp3d/>
+    <dgm:txPr/>
+    <dgm:style>
+      <a:lnRef idx="1">
+        <a:scrgbClr r="0" g="0" b="0"/>
+      </a:lnRef>
+      <a:fillRef idx="1">
+        <a:scrgbClr r="0" g="0" b="0"/>
+      </a:fillRef>
+      <a:effectRef idx="0">
+        <a:scrgbClr r="0" g="0" b="0"/>
+      </a:effectRef>
+      <a:fontRef idx="minor"/>
+    </dgm:style>
+  </dgm:styleLbl>
+  <dgm:styleLbl name="bgAcc1">
+    <dgm:scene3d>
+      <a:camera prst="orthographicFront"/>
+      <a:lightRig rig="threePt" dir="t"/>
+    </dgm:scene3d>
+    <dgm:sp3d/>
+    <dgm:txPr/>
+    <dgm:style>
+      <a:lnRef idx="2">
+        <a:scrgbClr r="0" g="0" b="0"/>
+      </a:lnRef>
+      <a:fillRef idx="1">
+        <a:scrgbClr r="0" g="0" b="0"/>
+      </a:fillRef>
+      <a:effectRef idx="0">
+        <a:scrgbClr r="0" g="0" b="0"/>
+      </a:effectRef>
+      <a:fontRef idx="minor"/>
+    </dgm:style>
+  </dgm:styleLbl>
+  <dgm:styleLbl name="solidFgAcc1">
+    <dgm:scene3d>
+      <a:camera prst="orthographicFront"/>
+      <a:lightRig rig="threePt" dir="t"/>
+    </dgm:scene3d>
+    <dgm:sp3d/>
+    <dgm:txPr/>
+    <dgm:style>
+      <a:lnRef idx="2">
+        <a:scrgbClr r="0" g="0" b="0"/>
+      </a:lnRef>
+      <a:fillRef idx="1">
+        <a:scrgbClr r="0" g="0" b="0"/>
+      </a:fillRef>
+      <a:effectRef idx="0">
+        <a:scrgbClr r="0" g="0" b="0"/>
+      </a:effectRef>
+      <a:fontRef idx="minor"/>
+    </dgm:style>
+  </dgm:styleLbl>
+  <dgm:styleLbl name="solidAlignAcc1">
+    <dgm:scene3d>
+      <a:camera prst="orthographicFront"/>
+      <a:lightRig rig="threePt" dir="t"/>
+    </dgm:scene3d>
+    <dgm:sp3d/>
+    <dgm:txPr/>
+    <dgm:style>
+      <a:lnRef idx="2">
+        <a:scrgbClr r="0" g="0" b="0"/>
+      </a:lnRef>
+      <a:fillRef idx="1">
+        <a:scrgbClr r="0" g="0" b="0"/>
+      </a:fillRef>
+      <a:effectRef idx="0">
+        <a:scrgbClr r="0" g="0" b="0"/>
+      </a:effectRef>
+      <a:fontRef idx="minor"/>
+    </dgm:style>
+  </dgm:styleLbl>
+  <dgm:styleLbl name="solidBgAcc1">
+    <dgm:scene3d>
+      <a:camera prst="orthographicFront"/>
+      <a:lightRig rig="threePt" dir="t"/>
+    </dgm:scene3d>
+    <dgm:sp3d/>
+    <dgm:txPr/>
+    <dgm:style>
+      <a:lnRef idx="2">
+        <a:scrgbClr r="0" g="0" b="0"/>
+      </a:lnRef>
+      <a:fillRef idx="1">
+        <a:scrgbClr r="0" g="0" b="0"/>
+      </a:fillRef>
+      <a:effectRef idx="0">
+        <a:scrgbClr r="0" g="0" b="0"/>
+      </a:effectRef>
+      <a:fontRef idx="minor"/>
+    </dgm:style>
+  </dgm:styleLbl>
+  <dgm:styleLbl name="fgAccFollowNode1">
+    <dgm:scene3d>
+      <a:camera prst="orthographicFront"/>
+      <a:lightRig rig="threePt" dir="t"/>
+    </dgm:scene3d>
+    <dgm:sp3d/>
+    <dgm:txPr/>
+    <dgm:style>
+      <a:lnRef idx="2">
+        <a:scrgbClr r="0" g="0" b="0"/>
+      </a:lnRef>
+      <a:fillRef idx="1">
+        <a:scrgbClr r="0" g="0" b="0"/>
+      </a:fillRef>
+      <a:effectRef idx="0">
+        <a:scrgbClr r="0" g="0" b="0"/>
+      </a:effectRef>
+      <a:fontRef idx="minor"/>
+    </dgm:style>
+  </dgm:styleLbl>
+  <dgm:styleLbl name="alignAccFollowNode1">
+    <dgm:scene3d>
+      <a:camera prst="orthographicFront"/>
+      <a:lightRig rig="threePt" dir="t"/>
+    </dgm:scene3d>
+    <dgm:sp3d/>
+    <dgm:txPr/>
+    <dgm:style>
+      <a:lnRef idx="2">
+        <a:scrgbClr r="0" g="0" b="0"/>
+      </a:lnRef>
+      <a:fillRef idx="1">
+        <a:scrgbClr r="0" g="0" b="0"/>
+      </a:fillRef>
+      <a:effectRef idx="0">
+        <a:scrgbClr r="0" g="0" b="0"/>
+      </a:effectRef>
+      <a:fontRef idx="minor"/>
+    </dgm:style>
+  </dgm:styleLbl>
+  <dgm:styleLbl name="bgAccFollowNode1">
+    <dgm:scene3d>
+      <a:camera prst="orthographicFront"/>
+      <a:lightRig rig="threePt" dir="t"/>
+    </dgm:scene3d>
+    <dgm:sp3d/>
+    <dgm:txPr/>
+    <dgm:style>
+      <a:lnRef idx="2">
+        <a:scrgbClr r="0" g="0" b="0"/>
+      </a:lnRef>
+      <a:fillRef idx="1">
+        <a:scrgbClr r="0" g="0" b="0"/>
+      </a:fillRef>
+      <a:effectRef idx="0">
+        <a:scrgbClr r="0" g="0" b="0"/>
+      </a:effectRef>
+      <a:fontRef idx="minor"/>
+    </dgm:style>
+  </dgm:styleLbl>
+  <dgm:styleLbl name="fgAcc0">
+    <dgm:scene3d>
+      <a:camera prst="orthographicFront"/>
+      <a:lightRig rig="threePt" dir="t"/>
+    </dgm:scene3d>
+    <dgm:sp3d/>
+    <dgm:txPr/>
+    <dgm:style>
+      <a:lnRef idx="2">
+        <a:scrgbClr r="0" g="0" b="0"/>
+      </a:lnRef>
+      <a:fillRef idx="1">
+        <a:scrgbClr r="0" g="0" b="0"/>
+      </a:fillRef>
+      <a:effectRef idx="0">
+        <a:scrgbClr r="0" g="0" b="0"/>
+      </a:effectRef>
+      <a:fontRef idx="minor"/>
+    </dgm:style>
+  </dgm:styleLbl>
+  <dgm:styleLbl name="fgAcc2">
+    <dgm:scene3d>
+      <a:camera prst="orthographicFront"/>
+      <a:lightRig rig="threePt" dir="t"/>
+    </dgm:scene3d>
+    <dgm:sp3d/>
+    <dgm:txPr/>
+    <dgm:style>
+      <a:lnRef idx="2">
+        <a:scrgbClr r="0" g="0" b="0"/>
+      </a:lnRef>
+      <a:fillRef idx="1">
+        <a:scrgbClr r="0" g="0" b="0"/>
+      </a:fillRef>
+      <a:effectRef idx="0">
+        <a:scrgbClr r="0" g="0" b="0"/>
+      </a:effectRef>
+      <a:fontRef idx="minor"/>
+    </dgm:style>
+  </dgm:styleLbl>
+  <dgm:styleLbl name="fgAcc3">
+    <dgm:scene3d>
+      <a:camera prst="orthographicFront"/>
+      <a:lightRig rig="threePt" dir="t"/>
+    </dgm:scene3d>
+    <dgm:sp3d/>
+    <dgm:txPr/>
+    <dgm:style>
+      <a:lnRef idx="2">
+        <a:scrgbClr r="0" g="0" b="0"/>
+      </a:lnRef>
+      <a:fillRef idx="1">
+        <a:scrgbClr r="0" g="0" b="0"/>
+      </a:fillRef>
+      <a:effectRef idx="0">
+        <a:scrgbClr r="0" g="0" b="0"/>
+      </a:effectRef>
+      <a:fontRef idx="minor"/>
+    </dgm:style>
+  </dgm:styleLbl>
+  <dgm:styleLbl name="fgAcc4">
+    <dgm:scene3d>
+      <a:camera prst="orthographicFront"/>
+      <a:lightRig rig="threePt" dir="t"/>
+    </dgm:scene3d>
+    <dgm:sp3d/>
+    <dgm:txPr/>
+    <dgm:style>
+      <a:lnRef idx="2">
+        <a:scrgbClr r="0" g="0" b="0"/>
+      </a:lnRef>
+      <a:fillRef idx="1">
+        <a:scrgbClr r="0" g="0" b="0"/>
+      </a:fillRef>
+      <a:effectRef idx="0">
+        <a:scrgbClr r="0" g="0" b="0"/>
+      </a:effectRef>
+      <a:fontRef idx="minor"/>
+    </dgm:style>
+  </dgm:styleLbl>
+  <dgm:styleLbl name="bgShp">
+    <dgm:scene3d>
+      <a:camera prst="orthographicFront"/>
+      <a:lightRig rig="threePt" dir="t"/>
+    </dgm:scene3d>
+    <dgm:sp3d/>
+    <dgm:txPr/>
+    <dgm:style>
+      <a:lnRef idx="0">
+        <a:scrgbClr r="0" g="0" b="0"/>
+      </a:lnRef>
+      <a:fillRef idx="1">
+        <a:scrgbClr r="0" g="0" b="0"/>
+      </a:fillRef>
+      <a:effectRef idx="0">
+        <a:scrgbClr r="0" g="0" b="0"/>
+      </a:effectRef>
+      <a:fontRef idx="minor"/>
+    </dgm:style>
+  </dgm:styleLbl>
+  <dgm:styleLbl name="dkBgShp">
+    <dgm:scene3d>
+      <a:camera prst="orthographicFront"/>
+      <a:lightRig rig="threePt" dir="t"/>
+    </dgm:scene3d>
+    <dgm:sp3d/>
+    <dgm:txPr/>
+    <dgm:style>
+      <a:lnRef idx="0">
+        <a:scrgbClr r="0" g="0" b="0"/>
+      </a:lnRef>
+      <a:fillRef idx="1">
+        <a:scrgbClr r="0" g="0" b="0"/>
+      </a:fillRef>
+      <a:effectRef idx="0">
+        <a:scrgbClr r="0" g="0" b="0"/>
+      </a:effectRef>
+      <a:fontRef idx="minor"/>
+    </dgm:style>
+  </dgm:styleLbl>
+  <dgm:styleLbl name="trBgShp">
+    <dgm:scene3d>
+      <a:camera prst="orthographicFront"/>
+      <a:lightRig rig="threePt" dir="t"/>
+    </dgm:scene3d>
+    <dgm:sp3d/>
+    <dgm:txPr/>
+    <dgm:style>
+      <a:lnRef idx="0">
+        <a:scrgbClr r="0" g="0" b="0"/>
+      </a:lnRef>
+      <a:fillRef idx="1">
+        <a:scrgbClr r="0" g="0" b="0"/>
+      </a:fillRef>
+      <a:effectRef idx="0">
+        <a:scrgbClr r="0" g="0" b="0"/>
+      </a:effectRef>
+      <a:fontRef idx="minor"/>
+    </dgm:style>
+  </dgm:styleLbl>
+  <dgm:styleLbl name="fgShp">
+    <dgm:scene3d>
+      <a:camera prst="orthographicFront"/>
+      <a:lightRig rig="threePt" dir="t"/>
+    </dgm:scene3d>
+    <dgm:sp3d/>
+    <dgm:txPr/>
+    <dgm:style>
+      <a:lnRef idx="2">
+        <a:scrgbClr r="0" g="0" b="0"/>
+      </a:lnRef>
+      <a:fillRef idx="1">
+        <a:scrgbClr r="0" g="0" b="0"/>
+      </a:fillRef>
+      <a:effectRef idx="0">
+        <a:scrgbClr r="0" g="0" b="0"/>
+      </a:effectRef>
+      <a:fontRef idx="minor"/>
+    </dgm:style>
+  </dgm:styleLbl>
+  <dgm:styleLbl name="revTx">
+    <dgm:scene3d>
+      <a:camera prst="orthographicFront"/>
+      <a:lightRig rig="threePt" dir="t"/>
+    </dgm:scene3d>
+    <dgm:sp3d/>
+    <dgm:txPr/>
+    <dgm:style>
+      <a:lnRef idx="0">
+        <a:scrgbClr r="0" g="0" b="0"/>
+      </a:lnRef>
+      <a:fillRef idx="0">
+        <a:scrgbClr r="0" g="0" b="0"/>
+      </a:fillRef>
+      <a:effectRef idx="0">
+        <a:scrgbClr r="0" g="0" b="0"/>
+      </a:effectRef>
+      <a:fontRef idx="minor"/>
+    </dgm:style>
+  </dgm:styleLbl>
+</dgm:styleDef>
+</file>
+
 <file path=ppt/slideLayouts/slideLayout1.xml><?xml version="1.0" encoding="utf-8"?>
 <p:sldLayout xmlns:a="http://schemas.openxmlformats.org/drawingml/2006/main" xmlns:r="http://schemas.openxmlformats.org/officeDocument/2006/relationships" xmlns:p="http://schemas.openxmlformats.org/presentationml/2006/main" type="title" preserve="1">
   <p:cSld name="Title Slide">
@@ -296,7 +2875,7 @@
           <a:p>
             <a:fld id="{732A30A3-3C5A-4601-BC39-4CB37EE27BD9}" type="datetimeFigureOut">
               <a:rPr lang="en-US" smtClean="0"/>
-              <a:t>9/28/2013</a:t>
+              <a:t>10/6/2013</a:t>
             </a:fld>
             <a:endParaRPr lang="en-US"/>
           </a:p>
@@ -461,7 +3040,7 @@
           <a:p>
             <a:fld id="{732A30A3-3C5A-4601-BC39-4CB37EE27BD9}" type="datetimeFigureOut">
               <a:rPr lang="en-US" smtClean="0"/>
-              <a:t>9/28/2013</a:t>
+              <a:t>10/6/2013</a:t>
             </a:fld>
             <a:endParaRPr lang="en-US"/>
           </a:p>
@@ -636,7 +3215,7 @@
           <a:p>
             <a:fld id="{732A30A3-3C5A-4601-BC39-4CB37EE27BD9}" type="datetimeFigureOut">
               <a:rPr lang="en-US" smtClean="0"/>
-              <a:t>9/28/2013</a:t>
+              <a:t>10/6/2013</a:t>
             </a:fld>
             <a:endParaRPr lang="en-US"/>
           </a:p>
@@ -801,7 +3380,7 @@
           <a:p>
             <a:fld id="{732A30A3-3C5A-4601-BC39-4CB37EE27BD9}" type="datetimeFigureOut">
               <a:rPr lang="en-US" smtClean="0"/>
-              <a:t>9/28/2013</a:t>
+              <a:t>10/6/2013</a:t>
             </a:fld>
             <a:endParaRPr lang="en-US"/>
           </a:p>
@@ -1040,7 +3619,7 @@
           <a:p>
             <a:fld id="{732A30A3-3C5A-4601-BC39-4CB37EE27BD9}" type="datetimeFigureOut">
               <a:rPr lang="en-US" smtClean="0"/>
-              <a:t>9/28/2013</a:t>
+              <a:t>10/6/2013</a:t>
             </a:fld>
             <a:endParaRPr lang="en-US"/>
           </a:p>
@@ -1130,7 +3709,7 @@
           <a:p>
             <a:fld id="{732A30A3-3C5A-4601-BC39-4CB37EE27BD9}" type="datetimeFigureOut">
               <a:rPr lang="en-US" smtClean="0"/>
-              <a:t>9/28/2013</a:t>
+              <a:t>10/6/2013</a:t>
             </a:fld>
             <a:endParaRPr lang="en-US"/>
           </a:p>
@@ -1504,7 +4083,7 @@
           <a:p>
             <a:fld id="{732A30A3-3C5A-4601-BC39-4CB37EE27BD9}" type="datetimeFigureOut">
               <a:rPr lang="en-US" smtClean="0"/>
-              <a:t>9/28/2013</a:t>
+              <a:t>10/6/2013</a:t>
             </a:fld>
             <a:endParaRPr lang="en-US"/>
           </a:p>
@@ -1759,7 +4338,7 @@
           <a:p>
             <a:fld id="{732A30A3-3C5A-4601-BC39-4CB37EE27BD9}" type="datetimeFigureOut">
               <a:rPr lang="en-US" smtClean="0"/>
-              <a:t>9/28/2013</a:t>
+              <a:t>10/6/2013</a:t>
             </a:fld>
             <a:endParaRPr lang="en-US"/>
           </a:p>
@@ -1849,7 +4428,7 @@
           <a:p>
             <a:fld id="{732A30A3-3C5A-4601-BC39-4CB37EE27BD9}" type="datetimeFigureOut">
               <a:rPr lang="en-US" smtClean="0"/>
-              <a:t>9/28/2013</a:t>
+              <a:t>10/6/2013</a:t>
             </a:fld>
             <a:endParaRPr lang="en-US"/>
           </a:p>
@@ -2123,7 +4702,7 @@
           <a:p>
             <a:fld id="{732A30A3-3C5A-4601-BC39-4CB37EE27BD9}" type="datetimeFigureOut">
               <a:rPr lang="en-US" smtClean="0"/>
-              <a:t>9/28/2013</a:t>
+              <a:t>10/6/2013</a:t>
             </a:fld>
             <a:endParaRPr lang="en-US"/>
           </a:p>
@@ -2395,7 +4974,7 @@
           <a:p>
             <a:fld id="{732A30A3-3C5A-4601-BC39-4CB37EE27BD9}" type="datetimeFigureOut">
               <a:rPr lang="en-US" smtClean="0"/>
-              <a:t>9/28/2013</a:t>
+              <a:t>10/6/2013</a:t>
             </a:fld>
             <a:endParaRPr lang="en-US"/>
           </a:p>
@@ -2720,7 +5299,7 @@
           <a:p>
             <a:fld id="{732A30A3-3C5A-4601-BC39-4CB37EE27BD9}" type="datetimeFigureOut">
               <a:rPr lang="en-US" smtClean="0"/>
-              <a:t>9/28/2013</a:t>
+              <a:t>10/6/2013</a:t>
             </a:fld>
             <a:endParaRPr lang="en-US"/>
           </a:p>
@@ -3186,7 +5765,15 @@
           <a:p>
             <a:r>
               <a:rPr lang="en-US" dirty="0" smtClean="0"/>
-              <a:t>Introduction to Scientific Computing in Python</a:t>
+              <a:t>Introduction to Scientific </a:t>
+            </a:r>
+            <a:r>
+              <a:rPr lang="en-US" dirty="0" smtClean="0"/>
+              <a:t>Analysis </a:t>
+            </a:r>
+            <a:r>
+              <a:rPr lang="en-US" dirty="0" smtClean="0"/>
+              <a:t>in Python</a:t>
             </a:r>
             <a:endParaRPr lang="en-US" dirty="0"/>
           </a:p>
@@ -3278,15 +5865,27 @@
             <p:ph idx="1"/>
           </p:nvPr>
         </p:nvSpPr>
-        <p:spPr/>
+        <p:spPr>
+          <a:xfrm>
+            <a:off x="914400" y="2769833"/>
+            <a:ext cx="7696200" cy="3539527"/>
+          </a:xfrm>
+        </p:spPr>
         <p:txBody>
           <a:bodyPr/>
           <a:lstStyle/>
           <a:p>
             <a:r>
               <a:rPr lang="en-US" dirty="0" smtClean="0"/>
-              <a:t>Application Developer at ThinkRF</a:t>
-            </a:r>
+              <a:t>Application Developer at </a:t>
+            </a:r>
+            <a:r>
+              <a:rPr lang="en-US" dirty="0" smtClean="0"/>
+              <a:t>ThinkRF</a:t>
+            </a:r>
+          </a:p>
+          <a:p>
+            <a:endParaRPr lang="en-US" dirty="0" smtClean="0"/>
           </a:p>
           <a:p>
             <a:r>
@@ -3302,13 +5901,40 @@
             <a:endParaRPr lang="en-US" dirty="0" smtClean="0"/>
           </a:p>
           <a:p>
+            <a:endParaRPr lang="en-US" dirty="0" smtClean="0"/>
+          </a:p>
+          <a:p>
             <a:r>
               <a:rPr lang="en-US" dirty="0" err="1" smtClean="0"/>
               <a:t>Github</a:t>
             </a:r>
             <a:r>
               <a:rPr lang="en-US" dirty="0" smtClean="0"/>
-              <a:t>: github.com/mfarhan12</a:t>
+              <a:t>: </a:t>
+            </a:r>
+            <a:r>
+              <a:rPr lang="en-US" dirty="0" smtClean="0"/>
+              <a:t>github.com/mfarhan12</a:t>
+            </a:r>
+          </a:p>
+          <a:p>
+            <a:endParaRPr lang="en-US" dirty="0" smtClean="0"/>
+          </a:p>
+          <a:p>
+            <a:r>
+              <a:rPr lang="en-US" dirty="0" smtClean="0"/>
+              <a:t>Presentation/Scripts can be found at:</a:t>
+            </a:r>
+          </a:p>
+          <a:p>
+            <a:pPr marL="45720" indent="0">
+              <a:buNone/>
+            </a:pPr>
+            <a:r>
+              <a:rPr lang="en-US" dirty="0">
+                <a:hlinkClick r:id="rId3"/>
+              </a:rPr>
+              <a:t>https://github.com/mfarhan12/intro_to_scientific_computing_opag</a:t>
             </a:r>
             <a:endParaRPr lang="en-US" dirty="0"/>
           </a:p>
@@ -3359,6 +5985,10 @@
           <a:bodyPr/>
           <a:lstStyle/>
           <a:p>
+            <a:r>
+              <a:rPr lang="en-US" dirty="0" smtClean="0"/>
+              <a:t>Topics</a:t>
+            </a:r>
             <a:endParaRPr lang="en-US" dirty="0"/>
           </a:p>
         </p:txBody>
@@ -3375,8 +6005,184 @@
         </p:nvSpPr>
         <p:spPr/>
         <p:txBody>
-          <a:bodyPr/>
+          <a:bodyPr>
+            <a:normAutofit fontScale="92500" lnSpcReduction="10000"/>
+          </a:bodyPr>
           <a:lstStyle/>
+          <a:p>
+            <a:r>
+              <a:rPr lang="en-US" dirty="0" smtClean="0"/>
+              <a:t>What is scientific analysis</a:t>
+            </a:r>
+          </a:p>
+          <a:p>
+            <a:r>
+              <a:rPr lang="en-US" dirty="0" smtClean="0"/>
+              <a:t>	</a:t>
+            </a:r>
+            <a:endParaRPr lang="en-US" dirty="0" smtClean="0"/>
+          </a:p>
+          <a:p>
+            <a:r>
+              <a:rPr lang="en-US" dirty="0"/>
+              <a:t>Why use Python for scientific analysis	</a:t>
+            </a:r>
+            <a:endParaRPr lang="en-US" dirty="0" smtClean="0"/>
+          </a:p>
+          <a:p>
+            <a:endParaRPr lang="en-US" dirty="0" smtClean="0"/>
+          </a:p>
+          <a:p>
+            <a:r>
+              <a:rPr lang="en-US" dirty="0" smtClean="0"/>
+              <a:t>Data Acquisition  </a:t>
+            </a:r>
+            <a:r>
+              <a:rPr lang="en-US" dirty="0" smtClean="0"/>
+              <a:t>(</a:t>
+            </a:r>
+            <a:r>
+              <a:rPr lang="en-US" dirty="0" err="1">
+                <a:solidFill>
+                  <a:schemeClr val="tx2"/>
+                </a:solidFill>
+              </a:rPr>
+              <a:t>xlwt</a:t>
+            </a:r>
+            <a:r>
+              <a:rPr lang="en-US" dirty="0"/>
+              <a:t>, </a:t>
+            </a:r>
+            <a:r>
+              <a:rPr lang="en-US" dirty="0" err="1" smtClean="0">
+                <a:solidFill>
+                  <a:schemeClr val="tx2"/>
+                </a:solidFill>
+              </a:rPr>
+              <a:t>xlrd</a:t>
+            </a:r>
+            <a:r>
+              <a:rPr lang="en-US" dirty="0" smtClean="0">
+                <a:solidFill>
+                  <a:schemeClr val="tx2"/>
+                </a:solidFill>
+              </a:rPr>
+              <a:t>, sockets, </a:t>
+            </a:r>
+            <a:r>
+              <a:rPr lang="en-US" dirty="0" err="1" smtClean="0">
+                <a:solidFill>
+                  <a:schemeClr val="tx2"/>
+                </a:solidFill>
+              </a:rPr>
+              <a:t>CaptureVideo</a:t>
+            </a:r>
+            <a:r>
+              <a:rPr lang="en-US" dirty="0" smtClean="0"/>
+              <a:t>, </a:t>
+            </a:r>
+            <a:r>
+              <a:rPr lang="en-US" dirty="0" err="1" smtClean="0">
+                <a:solidFill>
+                  <a:schemeClr val="tx2"/>
+                </a:solidFill>
+              </a:rPr>
+              <a:t>PyAudio</a:t>
+            </a:r>
+            <a:r>
+              <a:rPr lang="en-US" dirty="0" smtClean="0"/>
+              <a:t>)</a:t>
+            </a:r>
+            <a:endParaRPr lang="en-US" dirty="0" smtClean="0"/>
+          </a:p>
+          <a:p>
+            <a:endParaRPr lang="en-US" dirty="0" smtClean="0"/>
+          </a:p>
+          <a:p>
+            <a:r>
+              <a:rPr lang="en-US" dirty="0" smtClean="0"/>
+              <a:t>Data </a:t>
+            </a:r>
+            <a:r>
+              <a:rPr lang="en-US" dirty="0" smtClean="0"/>
+              <a:t>Processing </a:t>
+            </a:r>
+            <a:r>
+              <a:rPr lang="en-US" dirty="0" smtClean="0"/>
+              <a:t>(</a:t>
+            </a:r>
+            <a:r>
+              <a:rPr lang="en-US" dirty="0" err="1" smtClean="0">
+                <a:solidFill>
+                  <a:schemeClr val="tx2"/>
+                </a:solidFill>
+              </a:rPr>
+              <a:t>Numpy</a:t>
+            </a:r>
+            <a:r>
+              <a:rPr lang="en-US" dirty="0" smtClean="0">
+                <a:solidFill>
+                  <a:schemeClr val="tx2"/>
+                </a:solidFill>
+              </a:rPr>
+              <a:t>, </a:t>
+            </a:r>
+            <a:r>
+              <a:rPr lang="en-US" dirty="0" err="1" smtClean="0">
+                <a:solidFill>
+                  <a:schemeClr val="tx2"/>
+                </a:solidFill>
+              </a:rPr>
+              <a:t>Scipy</a:t>
+            </a:r>
+            <a:r>
+              <a:rPr lang="en-US" dirty="0" smtClean="0"/>
+              <a:t>)</a:t>
+            </a:r>
+            <a:endParaRPr lang="en-US" dirty="0" smtClean="0"/>
+          </a:p>
+          <a:p>
+            <a:endParaRPr lang="en-US" dirty="0" smtClean="0"/>
+          </a:p>
+          <a:p>
+            <a:r>
+              <a:rPr lang="en-US" dirty="0" smtClean="0"/>
+              <a:t>Data plotting (</a:t>
+            </a:r>
+            <a:r>
+              <a:rPr lang="en-US" dirty="0" err="1" smtClean="0">
+                <a:solidFill>
+                  <a:schemeClr val="tx2"/>
+                </a:solidFill>
+              </a:rPr>
+              <a:t>PyQtGraph</a:t>
+            </a:r>
+            <a:r>
+              <a:rPr lang="en-US" dirty="0" smtClean="0"/>
+              <a:t>)</a:t>
+            </a:r>
+          </a:p>
+          <a:p>
+            <a:endParaRPr lang="en-US" dirty="0" smtClean="0"/>
+          </a:p>
+          <a:p>
+            <a:r>
+              <a:rPr lang="en-US" dirty="0" smtClean="0"/>
+              <a:t>Application Development (</a:t>
+            </a:r>
+            <a:r>
+              <a:rPr lang="en-US" dirty="0" err="1" smtClean="0">
+                <a:solidFill>
+                  <a:schemeClr val="tx2"/>
+                </a:solidFill>
+              </a:rPr>
+              <a:t>Pyside</a:t>
+            </a:r>
+            <a:r>
+              <a:rPr lang="en-US" dirty="0" smtClean="0"/>
+              <a:t>)  </a:t>
+            </a:r>
+          </a:p>
           <a:p>
             <a:endParaRPr lang="en-US" dirty="0"/>
           </a:p>
@@ -3386,6 +6192,442 @@
     <p:extLst>
       <p:ext uri="{BB962C8B-B14F-4D97-AF65-F5344CB8AC3E}">
         <p14:creationId xmlns:p14="http://schemas.microsoft.com/office/powerpoint/2010/main" val="1030949440"/>
+      </p:ext>
+    </p:extLst>
+  </p:cSld>
+  <p:clrMapOvr>
+    <a:masterClrMapping/>
+  </p:clrMapOvr>
+</p:sld>
+</file>
+
+<file path=ppt/slides/slide4.xml><?xml version="1.0" encoding="utf-8"?>
+<p:sld xmlns:a="http://schemas.openxmlformats.org/drawingml/2006/main" xmlns:r="http://schemas.openxmlformats.org/officeDocument/2006/relationships" xmlns:p="http://schemas.openxmlformats.org/presentationml/2006/main">
+  <p:cSld>
+    <p:spTree>
+      <p:nvGrpSpPr>
+        <p:cNvPr id="1" name=""/>
+        <p:cNvGrpSpPr/>
+        <p:nvPr/>
+      </p:nvGrpSpPr>
+      <p:grpSpPr>
+        <a:xfrm>
+          <a:off x="0" y="0"/>
+          <a:ext cx="0" cy="0"/>
+          <a:chOff x="0" y="0"/>
+          <a:chExt cx="0" cy="0"/>
+        </a:xfrm>
+      </p:grpSpPr>
+      <p:sp>
+        <p:nvSpPr>
+          <p:cNvPr id="2" name="Title 1"/>
+          <p:cNvSpPr>
+            <a:spLocks noGrp="1"/>
+          </p:cNvSpPr>
+          <p:nvPr>
+            <p:ph type="title"/>
+          </p:nvPr>
+        </p:nvSpPr>
+        <p:spPr/>
+        <p:txBody>
+          <a:bodyPr/>
+          <a:lstStyle/>
+          <a:p>
+            <a:r>
+              <a:rPr lang="en-US" dirty="0" smtClean="0"/>
+              <a:t>What is scientific analysis</a:t>
+            </a:r>
+            <a:endParaRPr lang="en-US" dirty="0"/>
+          </a:p>
+        </p:txBody>
+      </p:sp>
+      <p:graphicFrame>
+        <p:nvGraphicFramePr>
+          <p:cNvPr id="5" name="Diagram 4"/>
+          <p:cNvGraphicFramePr/>
+          <p:nvPr>
+            <p:extLst>
+              <p:ext uri="{D42A27DB-BD31-4B8C-83A1-F6EECF244321}">
+                <p14:modId xmlns:p14="http://schemas.microsoft.com/office/powerpoint/2010/main" val="503994618"/>
+              </p:ext>
+            </p:extLst>
+          </p:nvPr>
+        </p:nvGraphicFramePr>
+        <p:xfrm>
+          <a:off x="457200" y="3048000"/>
+          <a:ext cx="7848600" cy="2108200"/>
+        </p:xfrm>
+        <a:graphic>
+          <a:graphicData uri="http://schemas.openxmlformats.org/drawingml/2006/diagram">
+            <dgm:relIds xmlns:dgm="http://schemas.openxmlformats.org/drawingml/2006/diagram" xmlns:r="http://schemas.openxmlformats.org/officeDocument/2006/relationships" r:dm="rId2" r:lo="rId3" r:qs="rId4" r:cs="rId5"/>
+          </a:graphicData>
+        </a:graphic>
+      </p:graphicFrame>
+      <p:sp>
+        <p:nvSpPr>
+          <p:cNvPr id="7" name="TextBox 6"/>
+          <p:cNvSpPr txBox="1"/>
+          <p:nvPr/>
+        </p:nvSpPr>
+        <p:spPr>
+          <a:xfrm>
+            <a:off x="457200" y="4953000"/>
+            <a:ext cx="3124200" cy="1477328"/>
+          </a:xfrm>
+          <a:prstGeom prst="rect">
+            <a:avLst/>
+          </a:prstGeom>
+          <a:noFill/>
+        </p:spPr>
+        <p:txBody>
+          <a:bodyPr wrap="square" rtlCol="0">
+            <a:spAutoFit/>
+          </a:bodyPr>
+          <a:lstStyle/>
+          <a:p>
+            <a:r>
+              <a:rPr lang="en-US" dirty="0" smtClean="0">
+                <a:solidFill>
+                  <a:schemeClr val="tx2"/>
+                </a:solidFill>
+              </a:rPr>
+              <a:t>Spreadsheets</a:t>
+            </a:r>
+          </a:p>
+          <a:p>
+            <a:r>
+              <a:rPr lang="en-US" dirty="0" smtClean="0">
+                <a:solidFill>
+                  <a:schemeClr val="tx2"/>
+                </a:solidFill>
+              </a:rPr>
+              <a:t>Cloud (Internet or Network)</a:t>
+            </a:r>
+          </a:p>
+          <a:p>
+            <a:r>
+              <a:rPr lang="en-US" dirty="0" smtClean="0">
+                <a:solidFill>
+                  <a:schemeClr val="tx2"/>
+                </a:solidFill>
+              </a:rPr>
+              <a:t>Audio</a:t>
+            </a:r>
+          </a:p>
+          <a:p>
+            <a:r>
+              <a:rPr lang="en-US" dirty="0" smtClean="0">
+                <a:solidFill>
+                  <a:schemeClr val="tx2"/>
+                </a:solidFill>
+              </a:rPr>
+              <a:t>Video</a:t>
+            </a:r>
+          </a:p>
+          <a:p>
+            <a:endParaRPr lang="en-US" dirty="0"/>
+          </a:p>
+        </p:txBody>
+      </p:sp>
+      <p:sp>
+        <p:nvSpPr>
+          <p:cNvPr id="8" name="TextBox 7"/>
+          <p:cNvSpPr txBox="1"/>
+          <p:nvPr/>
+        </p:nvSpPr>
+        <p:spPr>
+          <a:xfrm>
+            <a:off x="3429000" y="4953000"/>
+            <a:ext cx="3124200" cy="1477328"/>
+          </a:xfrm>
+          <a:prstGeom prst="rect">
+            <a:avLst/>
+          </a:prstGeom>
+          <a:noFill/>
+        </p:spPr>
+        <p:txBody>
+          <a:bodyPr wrap="square" rtlCol="0">
+            <a:spAutoFit/>
+          </a:bodyPr>
+          <a:lstStyle/>
+          <a:p>
+            <a:r>
+              <a:rPr lang="en-US" dirty="0" smtClean="0">
+                <a:solidFill>
+                  <a:schemeClr val="tx2"/>
+                </a:solidFill>
+              </a:rPr>
+              <a:t>Identifying </a:t>
+            </a:r>
+          </a:p>
+          <a:p>
+            <a:r>
+              <a:rPr lang="en-US" dirty="0" smtClean="0">
+                <a:solidFill>
+                  <a:schemeClr val="tx2"/>
+                </a:solidFill>
+              </a:rPr>
+              <a:t>Statistics</a:t>
+            </a:r>
+          </a:p>
+          <a:p>
+            <a:r>
+              <a:rPr lang="en-US" dirty="0" smtClean="0">
+                <a:solidFill>
+                  <a:schemeClr val="tx2"/>
+                </a:solidFill>
+              </a:rPr>
+              <a:t>Image Processing</a:t>
+            </a:r>
+          </a:p>
+          <a:p>
+            <a:r>
+              <a:rPr lang="en-US" dirty="0" smtClean="0">
+                <a:solidFill>
+                  <a:schemeClr val="tx2"/>
+                </a:solidFill>
+              </a:rPr>
+              <a:t>Signal Filtering</a:t>
+            </a:r>
+          </a:p>
+          <a:p>
+            <a:endParaRPr lang="en-US" dirty="0"/>
+          </a:p>
+        </p:txBody>
+      </p:sp>
+    </p:spTree>
+    <p:extLst>
+      <p:ext uri="{BB962C8B-B14F-4D97-AF65-F5344CB8AC3E}">
+        <p14:creationId xmlns:p14="http://schemas.microsoft.com/office/powerpoint/2010/main" val="2045435518"/>
+      </p:ext>
+    </p:extLst>
+  </p:cSld>
+  <p:clrMapOvr>
+    <a:masterClrMapping/>
+  </p:clrMapOvr>
+</p:sld>
+</file>
+
+<file path=ppt/slides/slide5.xml><?xml version="1.0" encoding="utf-8"?>
+<p:sld xmlns:a="http://schemas.openxmlformats.org/drawingml/2006/main" xmlns:r="http://schemas.openxmlformats.org/officeDocument/2006/relationships" xmlns:p="http://schemas.openxmlformats.org/presentationml/2006/main">
+  <p:cSld>
+    <p:spTree>
+      <p:nvGrpSpPr>
+        <p:cNvPr id="1" name=""/>
+        <p:cNvGrpSpPr/>
+        <p:nvPr/>
+      </p:nvGrpSpPr>
+      <p:grpSpPr>
+        <a:xfrm>
+          <a:off x="0" y="0"/>
+          <a:ext cx="0" cy="0"/>
+          <a:chOff x="0" y="0"/>
+          <a:chExt cx="0" cy="0"/>
+        </a:xfrm>
+      </p:grpSpPr>
+      <p:sp>
+        <p:nvSpPr>
+          <p:cNvPr id="2" name="Title 1"/>
+          <p:cNvSpPr>
+            <a:spLocks noGrp="1"/>
+          </p:cNvSpPr>
+          <p:nvPr>
+            <p:ph type="title"/>
+          </p:nvPr>
+        </p:nvSpPr>
+        <p:spPr/>
+        <p:txBody>
+          <a:bodyPr/>
+          <a:lstStyle/>
+          <a:p>
+            <a:r>
+              <a:rPr lang="en-US" dirty="0"/>
+              <a:t>Why use Python for science</a:t>
+            </a:r>
+          </a:p>
+        </p:txBody>
+      </p:sp>
+      <p:sp>
+        <p:nvSpPr>
+          <p:cNvPr id="3" name="Content Placeholder 2"/>
+          <p:cNvSpPr>
+            <a:spLocks noGrp="1"/>
+          </p:cNvSpPr>
+          <p:nvPr>
+            <p:ph idx="1"/>
+          </p:nvPr>
+        </p:nvSpPr>
+        <p:spPr/>
+        <p:txBody>
+          <a:bodyPr>
+            <a:normAutofit lnSpcReduction="10000"/>
+          </a:bodyPr>
+          <a:lstStyle/>
+          <a:p>
+            <a:r>
+              <a:rPr lang="en-US" dirty="0"/>
+              <a:t>Python is </a:t>
+            </a:r>
+            <a:r>
+              <a:rPr lang="en-US" dirty="0" smtClean="0"/>
+              <a:t>free</a:t>
+            </a:r>
+          </a:p>
+          <a:p>
+            <a:pPr marL="45720" indent="0">
+              <a:buNone/>
+            </a:pPr>
+            <a:endParaRPr lang="en-US" dirty="0" smtClean="0"/>
+          </a:p>
+          <a:p>
+            <a:r>
+              <a:rPr lang="en-US" dirty="0"/>
+              <a:t>Python has a vast amount of open source libraries (also free</a:t>
+            </a:r>
+            <a:r>
+              <a:rPr lang="en-US" dirty="0" smtClean="0"/>
+              <a:t>)</a:t>
+            </a:r>
+          </a:p>
+          <a:p>
+            <a:endParaRPr lang="en-US" dirty="0" smtClean="0"/>
+          </a:p>
+          <a:p>
+            <a:r>
+              <a:rPr lang="en-US" dirty="0"/>
+              <a:t>Python is a high level language</a:t>
+            </a:r>
+          </a:p>
+          <a:p>
+            <a:endParaRPr lang="en-US" dirty="0"/>
+          </a:p>
+          <a:p>
+            <a:r>
+              <a:rPr lang="en-US" dirty="0"/>
+              <a:t>Python is similar to other languages used for </a:t>
+            </a:r>
+            <a:r>
+              <a:rPr lang="en-US" dirty="0" smtClean="0"/>
+              <a:t>science</a:t>
+            </a:r>
+          </a:p>
+          <a:p>
+            <a:endParaRPr lang="en-US" dirty="0"/>
+          </a:p>
+          <a:p>
+            <a:r>
+              <a:rPr lang="en-US" dirty="0" smtClean="0"/>
+              <a:t>Python </a:t>
+            </a:r>
+            <a:r>
+              <a:rPr lang="en-US" dirty="0"/>
+              <a:t>has a great </a:t>
+            </a:r>
+            <a:r>
+              <a:rPr lang="en-US" dirty="0" smtClean="0"/>
+              <a:t>community, with tons of resources and examples</a:t>
+            </a:r>
+            <a:endParaRPr lang="en-US" dirty="0"/>
+          </a:p>
+          <a:p>
+            <a:pPr marL="45720" indent="0">
+              <a:buNone/>
+            </a:pPr>
+            <a:endParaRPr lang="en-US" dirty="0"/>
+          </a:p>
+        </p:txBody>
+      </p:sp>
+    </p:spTree>
+    <p:extLst>
+      <p:ext uri="{BB962C8B-B14F-4D97-AF65-F5344CB8AC3E}">
+        <p14:creationId xmlns:p14="http://schemas.microsoft.com/office/powerpoint/2010/main" val="580874535"/>
+      </p:ext>
+    </p:extLst>
+  </p:cSld>
+  <p:clrMapOvr>
+    <a:masterClrMapping/>
+  </p:clrMapOvr>
+</p:sld>
+</file>
+
+<file path=ppt/slides/slide6.xml><?xml version="1.0" encoding="utf-8"?>
+<p:sld xmlns:a="http://schemas.openxmlformats.org/drawingml/2006/main" xmlns:r="http://schemas.openxmlformats.org/officeDocument/2006/relationships" xmlns:p="http://schemas.openxmlformats.org/presentationml/2006/main">
+  <p:cSld>
+    <p:spTree>
+      <p:nvGrpSpPr>
+        <p:cNvPr id="1" name=""/>
+        <p:cNvGrpSpPr/>
+        <p:nvPr/>
+      </p:nvGrpSpPr>
+      <p:grpSpPr>
+        <a:xfrm>
+          <a:off x="0" y="0"/>
+          <a:ext cx="0" cy="0"/>
+          <a:chOff x="0" y="0"/>
+          <a:chExt cx="0" cy="0"/>
+        </a:xfrm>
+      </p:grpSpPr>
+      <p:sp>
+        <p:nvSpPr>
+          <p:cNvPr id="8" name="Title 7"/>
+          <p:cNvSpPr>
+            <a:spLocks noGrp="1"/>
+          </p:cNvSpPr>
+          <p:nvPr>
+            <p:ph type="title"/>
+          </p:nvPr>
+        </p:nvSpPr>
+        <p:spPr/>
+        <p:txBody>
+          <a:bodyPr/>
+          <a:lstStyle/>
+          <a:p>
+            <a:endParaRPr lang="en-US" dirty="0"/>
+          </a:p>
+        </p:txBody>
+      </p:sp>
+      <p:sp>
+        <p:nvSpPr>
+          <p:cNvPr id="9" name="Content Placeholder 8"/>
+          <p:cNvSpPr>
+            <a:spLocks noGrp="1"/>
+          </p:cNvSpPr>
+          <p:nvPr>
+            <p:ph idx="1"/>
+          </p:nvPr>
+        </p:nvSpPr>
+        <p:spPr/>
+        <p:txBody>
+          <a:bodyPr/>
+          <a:lstStyle/>
+          <a:p>
+            <a:endParaRPr lang="en-US"/>
+          </a:p>
+        </p:txBody>
+      </p:sp>
+      <p:sp>
+        <p:nvSpPr>
+          <p:cNvPr id="10" name="Text Placeholder 9"/>
+          <p:cNvSpPr>
+            <a:spLocks noGrp="1"/>
+          </p:cNvSpPr>
+          <p:nvPr>
+            <p:ph type="body" sz="half" idx="2"/>
+          </p:nvPr>
+        </p:nvSpPr>
+        <p:spPr/>
+        <p:txBody>
+          <a:bodyPr/>
+          <a:lstStyle/>
+          <a:p>
+            <a:endParaRPr lang="en-US"/>
+          </a:p>
+        </p:txBody>
+      </p:sp>
+    </p:spTree>
+    <p:extLst>
+      <p:ext uri="{BB962C8B-B14F-4D97-AF65-F5344CB8AC3E}">
+        <p14:creationId xmlns:p14="http://schemas.microsoft.com/office/powerpoint/2010/main" val="1291216616"/>
       </p:ext>
     </p:extLst>
   </p:cSld>
